--- a/卒業研究.pptx
+++ b/卒業研究.pptx
@@ -5,7 +5,7 @@
     <p:sldMasterId id="2147483648" r:id="rId1"/>
   </p:sldMasterIdLst>
   <p:notesMasterIdLst>
-    <p:notesMasterId r:id="rId19"/>
+    <p:notesMasterId r:id="rId20"/>
   </p:notesMasterIdLst>
   <p:sldIdLst>
     <p:sldId id="256" r:id="rId2"/>
@@ -14,17 +14,18 @@
     <p:sldId id="259" r:id="rId5"/>
     <p:sldId id="260" r:id="rId6"/>
     <p:sldId id="262" r:id="rId7"/>
-    <p:sldId id="263" r:id="rId8"/>
+    <p:sldId id="270" r:id="rId8"/>
     <p:sldId id="272" r:id="rId9"/>
     <p:sldId id="273" r:id="rId10"/>
     <p:sldId id="274" r:id="rId11"/>
     <p:sldId id="275" r:id="rId12"/>
-    <p:sldId id="266" r:id="rId13"/>
-    <p:sldId id="267" r:id="rId14"/>
-    <p:sldId id="264" r:id="rId15"/>
-    <p:sldId id="270" r:id="rId16"/>
-    <p:sldId id="271" r:id="rId17"/>
-    <p:sldId id="268" r:id="rId18"/>
+    <p:sldId id="276" r:id="rId13"/>
+    <p:sldId id="279" r:id="rId14"/>
+    <p:sldId id="266" r:id="rId15"/>
+    <p:sldId id="267" r:id="rId16"/>
+    <p:sldId id="264" r:id="rId17"/>
+    <p:sldId id="271" r:id="rId18"/>
+    <p:sldId id="268" r:id="rId19"/>
   </p:sldIdLst>
   <p:sldSz cx="9144000" cy="6858000" type="screen4x3"/>
   <p:notesSz cx="6858000" cy="9144000"/>
@@ -4006,10 +4007,10 @@
           <a:lstStyle/>
           <a:p>
             <a:r>
-              <a:rPr kumimoji="1" lang="ja-JP" altLang="en-US" smtClean="0"/>
+              <a:rPr kumimoji="1" lang="ja-JP" altLang="en-US" dirty="0" smtClean="0"/>
               <a:t>２、３行</a:t>
             </a:r>
-            <a:endParaRPr kumimoji="1" lang="ja-JP" altLang="en-US"/>
+            <a:endParaRPr kumimoji="1" lang="ja-JP" altLang="en-US" dirty="0"/>
           </a:p>
         </p:txBody>
       </p:sp>
@@ -4141,6 +4142,123 @@
         </p:nvSpPr>
         <p:spPr/>
         <p:txBody>
+          <a:bodyPr/>
+          <a:lstStyle/>
+          <a:p>
+            <a:endParaRPr kumimoji="1" lang="ja-JP" altLang="en-US" dirty="0"/>
+          </a:p>
+        </p:txBody>
+      </p:sp>
+      <p:sp>
+        <p:nvSpPr>
+          <p:cNvPr id="3" name="コンテンツ プレースホルダー 2"/>
+          <p:cNvSpPr>
+            <a:spLocks noGrp="1"/>
+          </p:cNvSpPr>
+          <p:nvPr>
+            <p:ph idx="1"/>
+          </p:nvPr>
+        </p:nvSpPr>
+        <p:spPr/>
+        <p:txBody>
+          <a:bodyPr/>
+          <a:lstStyle/>
+          <a:p>
+            <a:endParaRPr kumimoji="1" lang="ja-JP" altLang="en-US"/>
+          </a:p>
+        </p:txBody>
+      </p:sp>
+    </p:spTree>
+    <p:extLst>
+      <p:ext uri="{BB962C8B-B14F-4D97-AF65-F5344CB8AC3E}">
+        <p14:creationId xmlns:p14="http://schemas.microsoft.com/office/powerpoint/2010/main" val="2262437481"/>
+      </p:ext>
+    </p:extLst>
+  </p:cSld>
+  <p:clrMapOvr>
+    <a:masterClrMapping/>
+  </p:clrMapOvr>
+</p:sld>
+</file>
+
+<file path=ppt/slides/slide13.xml><?xml version="1.0" encoding="utf-8"?>
+<p:sld xmlns:a="http://schemas.openxmlformats.org/drawingml/2006/main" xmlns:r="http://schemas.openxmlformats.org/officeDocument/2006/relationships" xmlns:p="http://schemas.openxmlformats.org/presentationml/2006/main">
+  <p:cSld>
+    <p:spTree>
+      <p:nvGrpSpPr>
+        <p:cNvPr id="1" name=""/>
+        <p:cNvGrpSpPr/>
+        <p:nvPr/>
+      </p:nvGrpSpPr>
+      <p:grpSpPr>
+        <a:xfrm>
+          <a:off x="0" y="0"/>
+          <a:ext cx="0" cy="0"/>
+          <a:chOff x="0" y="0"/>
+          <a:chExt cx="0" cy="0"/>
+        </a:xfrm>
+      </p:grpSpPr>
+      <p:sp>
+        <p:nvSpPr>
+          <p:cNvPr id="4" name="タイトル 3"/>
+          <p:cNvSpPr>
+            <a:spLocks noGrp="1"/>
+          </p:cNvSpPr>
+          <p:nvPr>
+            <p:ph type="title"/>
+          </p:nvPr>
+        </p:nvSpPr>
+        <p:spPr/>
+        <p:txBody>
+          <a:bodyPr/>
+          <a:lstStyle/>
+          <a:p>
+            <a:endParaRPr kumimoji="1" lang="ja-JP" altLang="en-US" dirty="0"/>
+          </a:p>
+        </p:txBody>
+      </p:sp>
+    </p:spTree>
+    <p:extLst>
+      <p:ext uri="{BB962C8B-B14F-4D97-AF65-F5344CB8AC3E}">
+        <p14:creationId xmlns:p14="http://schemas.microsoft.com/office/powerpoint/2010/main" val="1059239015"/>
+      </p:ext>
+    </p:extLst>
+  </p:cSld>
+  <p:clrMapOvr>
+    <a:masterClrMapping/>
+  </p:clrMapOvr>
+</p:sld>
+</file>
+
+<file path=ppt/slides/slide14.xml><?xml version="1.0" encoding="utf-8"?>
+<p:sld xmlns:a="http://schemas.openxmlformats.org/drawingml/2006/main" xmlns:r="http://schemas.openxmlformats.org/officeDocument/2006/relationships" xmlns:p="http://schemas.openxmlformats.org/presentationml/2006/main">
+  <p:cSld>
+    <p:spTree>
+      <p:nvGrpSpPr>
+        <p:cNvPr id="1" name=""/>
+        <p:cNvGrpSpPr/>
+        <p:nvPr/>
+      </p:nvGrpSpPr>
+      <p:grpSpPr>
+        <a:xfrm>
+          <a:off x="0" y="0"/>
+          <a:ext cx="0" cy="0"/>
+          <a:chOff x="0" y="0"/>
+          <a:chExt cx="0" cy="0"/>
+        </a:xfrm>
+      </p:grpSpPr>
+      <p:sp>
+        <p:nvSpPr>
+          <p:cNvPr id="2" name="タイトル 1"/>
+          <p:cNvSpPr>
+            <a:spLocks noGrp="1"/>
+          </p:cNvSpPr>
+          <p:nvPr>
+            <p:ph type="title"/>
+          </p:nvPr>
+        </p:nvSpPr>
+        <p:spPr/>
+        <p:txBody>
           <a:bodyPr>
             <a:normAutofit/>
           </a:bodyPr>
@@ -4193,7 +4311,7 @@
 </p:sld>
 </file>
 
-<file path=ppt/slides/slide13.xml><?xml version="1.0" encoding="utf-8"?>
+<file path=ppt/slides/slide15.xml><?xml version="1.0" encoding="utf-8"?>
 <p:sld xmlns:a="http://schemas.openxmlformats.org/drawingml/2006/main" xmlns:r="http://schemas.openxmlformats.org/officeDocument/2006/relationships" xmlns:p="http://schemas.openxmlformats.org/presentationml/2006/main">
   <p:cSld>
     <p:spTree>
@@ -4274,7 +4392,7 @@
 </p:sld>
 </file>
 
-<file path=ppt/slides/slide14.xml><?xml version="1.0" encoding="utf-8"?>
+<file path=ppt/slides/slide16.xml><?xml version="1.0" encoding="utf-8"?>
 <p:sld xmlns:a="http://schemas.openxmlformats.org/drawingml/2006/main" xmlns:r="http://schemas.openxmlformats.org/officeDocument/2006/relationships" xmlns:p="http://schemas.openxmlformats.org/presentationml/2006/main">
   <p:cSld>
     <p:spTree>
@@ -4356,7 +4474,853 @@
 </p:sld>
 </file>
 
-<file path=ppt/slides/slide15.xml><?xml version="1.0" encoding="utf-8"?>
+<file path=ppt/slides/slide17.xml><?xml version="1.0" encoding="utf-8"?>
+<p:sld xmlns:a="http://schemas.openxmlformats.org/drawingml/2006/main" xmlns:r="http://schemas.openxmlformats.org/officeDocument/2006/relationships" xmlns:p="http://schemas.openxmlformats.org/presentationml/2006/main">
+  <p:cSld>
+    <p:spTree>
+      <p:nvGrpSpPr>
+        <p:cNvPr id="1" name=""/>
+        <p:cNvGrpSpPr/>
+        <p:nvPr/>
+      </p:nvGrpSpPr>
+      <p:grpSpPr>
+        <a:xfrm>
+          <a:off x="0" y="0"/>
+          <a:ext cx="0" cy="0"/>
+          <a:chOff x="0" y="0"/>
+          <a:chExt cx="0" cy="0"/>
+        </a:xfrm>
+      </p:grpSpPr>
+      <p:sp>
+        <p:nvSpPr>
+          <p:cNvPr id="2" name="フローチャート : 代替処理 1"/>
+          <p:cNvSpPr/>
+          <p:nvPr/>
+        </p:nvSpPr>
+        <p:spPr>
+          <a:xfrm>
+            <a:off x="323528" y="260648"/>
+            <a:ext cx="1656184" cy="432048"/>
+          </a:xfrm>
+          <a:prstGeom prst="flowChartAlternateProcess">
+            <a:avLst/>
+          </a:prstGeom>
+        </p:spPr>
+        <p:style>
+          <a:lnRef idx="2">
+            <a:schemeClr val="accent1"/>
+          </a:lnRef>
+          <a:fillRef idx="1">
+            <a:schemeClr val="lt1"/>
+          </a:fillRef>
+          <a:effectRef idx="0">
+            <a:schemeClr val="accent1"/>
+          </a:effectRef>
+          <a:fontRef idx="minor">
+            <a:schemeClr val="dk1"/>
+          </a:fontRef>
+        </p:style>
+        <p:txBody>
+          <a:bodyPr rtlCol="0" anchor="ctr"/>
+          <a:lstStyle/>
+          <a:p>
+            <a:pPr algn="ctr"/>
+            <a:r>
+              <a:rPr kumimoji="1" lang="ja-JP" altLang="en-US" dirty="0" smtClean="0"/>
+              <a:t>個体の行動</a:t>
+            </a:r>
+            <a:endParaRPr kumimoji="1" lang="ja-JP" altLang="en-US" dirty="0"/>
+          </a:p>
+        </p:txBody>
+      </p:sp>
+      <p:sp>
+        <p:nvSpPr>
+          <p:cNvPr id="3" name="フローチャート : 代替処理 2"/>
+          <p:cNvSpPr/>
+          <p:nvPr/>
+        </p:nvSpPr>
+        <p:spPr>
+          <a:xfrm>
+            <a:off x="5906616" y="4345568"/>
+            <a:ext cx="914400" cy="612648"/>
+          </a:xfrm>
+          <a:prstGeom prst="flowChartAlternateProcess">
+            <a:avLst/>
+          </a:prstGeom>
+        </p:spPr>
+        <p:style>
+          <a:lnRef idx="2">
+            <a:schemeClr val="accent1"/>
+          </a:lnRef>
+          <a:fillRef idx="1">
+            <a:schemeClr val="lt1"/>
+          </a:fillRef>
+          <a:effectRef idx="0">
+            <a:schemeClr val="accent1"/>
+          </a:effectRef>
+          <a:fontRef idx="minor">
+            <a:schemeClr val="dk1"/>
+          </a:fontRef>
+        </p:style>
+        <p:txBody>
+          <a:bodyPr rtlCol="0" anchor="ctr"/>
+          <a:lstStyle/>
+          <a:p>
+            <a:pPr algn="ctr"/>
+            <a:endParaRPr kumimoji="1" lang="ja-JP" altLang="en-US"/>
+          </a:p>
+        </p:txBody>
+      </p:sp>
+      <p:sp>
+        <p:nvSpPr>
+          <p:cNvPr id="4" name="フローチャート : 端子 3"/>
+          <p:cNvSpPr/>
+          <p:nvPr/>
+        </p:nvSpPr>
+        <p:spPr>
+          <a:xfrm>
+            <a:off x="323528" y="1700808"/>
+            <a:ext cx="914400" cy="301752"/>
+          </a:xfrm>
+          <a:prstGeom prst="flowChartTerminator">
+            <a:avLst/>
+          </a:prstGeom>
+        </p:spPr>
+        <p:style>
+          <a:lnRef idx="2">
+            <a:schemeClr val="accent1"/>
+          </a:lnRef>
+          <a:fillRef idx="1">
+            <a:schemeClr val="lt1"/>
+          </a:fillRef>
+          <a:effectRef idx="0">
+            <a:schemeClr val="accent1"/>
+          </a:effectRef>
+          <a:fontRef idx="minor">
+            <a:schemeClr val="dk1"/>
+          </a:fontRef>
+        </p:style>
+        <p:txBody>
+          <a:bodyPr rtlCol="0" anchor="ctr"/>
+          <a:lstStyle/>
+          <a:p>
+            <a:pPr algn="ctr"/>
+            <a:r>
+              <a:rPr kumimoji="1" lang="ja-JP" altLang="en-US" dirty="0" smtClean="0"/>
+              <a:t>開始</a:t>
+            </a:r>
+            <a:endParaRPr kumimoji="1" lang="ja-JP" altLang="en-US" dirty="0"/>
+          </a:p>
+        </p:txBody>
+      </p:sp>
+      <p:sp>
+        <p:nvSpPr>
+          <p:cNvPr id="5" name="フローチャート : 端子 4"/>
+          <p:cNvSpPr/>
+          <p:nvPr/>
+        </p:nvSpPr>
+        <p:spPr>
+          <a:xfrm>
+            <a:off x="5906616" y="6165304"/>
+            <a:ext cx="914400" cy="301752"/>
+          </a:xfrm>
+          <a:prstGeom prst="flowChartTerminator">
+            <a:avLst/>
+          </a:prstGeom>
+        </p:spPr>
+        <p:style>
+          <a:lnRef idx="2">
+            <a:schemeClr val="accent1"/>
+          </a:lnRef>
+          <a:fillRef idx="1">
+            <a:schemeClr val="lt1"/>
+          </a:fillRef>
+          <a:effectRef idx="0">
+            <a:schemeClr val="accent1"/>
+          </a:effectRef>
+          <a:fontRef idx="minor">
+            <a:schemeClr val="dk1"/>
+          </a:fontRef>
+        </p:style>
+        <p:txBody>
+          <a:bodyPr rtlCol="0" anchor="ctr"/>
+          <a:lstStyle/>
+          <a:p>
+            <a:pPr algn="ctr"/>
+            <a:r>
+              <a:rPr kumimoji="1" lang="ja-JP" altLang="en-US" dirty="0" smtClean="0"/>
+              <a:t>終了</a:t>
+            </a:r>
+            <a:endParaRPr kumimoji="1" lang="ja-JP" altLang="en-US" dirty="0"/>
+          </a:p>
+        </p:txBody>
+      </p:sp>
+      <p:sp>
+        <p:nvSpPr>
+          <p:cNvPr id="6" name="フローチャート : 代替処理 5"/>
+          <p:cNvSpPr/>
+          <p:nvPr/>
+        </p:nvSpPr>
+        <p:spPr>
+          <a:xfrm>
+            <a:off x="323528" y="4149080"/>
+            <a:ext cx="3646496" cy="1235436"/>
+          </a:xfrm>
+          <a:prstGeom prst="flowChartAlternateProcess">
+            <a:avLst/>
+          </a:prstGeom>
+        </p:spPr>
+        <p:style>
+          <a:lnRef idx="2">
+            <a:schemeClr val="accent1"/>
+          </a:lnRef>
+          <a:fillRef idx="1">
+            <a:schemeClr val="lt1"/>
+          </a:fillRef>
+          <a:effectRef idx="0">
+            <a:schemeClr val="accent1"/>
+          </a:effectRef>
+          <a:fontRef idx="minor">
+            <a:schemeClr val="dk1"/>
+          </a:fontRef>
+        </p:style>
+        <p:txBody>
+          <a:bodyPr rtlCol="0" anchor="ctr"/>
+          <a:lstStyle/>
+          <a:p>
+            <a:pPr algn="ctr"/>
+            <a:r>
+              <a:rPr kumimoji="1" lang="ja-JP" altLang="en-US" dirty="0" smtClean="0"/>
+              <a:t>近隣の他個体それぞれに対して、保持ウイルスの中からランダムで１つ選び、待機ウイルスに加える</a:t>
+            </a:r>
+            <a:endParaRPr kumimoji="1" lang="ja-JP" altLang="en-US" dirty="0"/>
+          </a:p>
+        </p:txBody>
+      </p:sp>
+      <p:sp>
+        <p:nvSpPr>
+          <p:cNvPr id="7" name="フローチャート : 代替処理 6"/>
+          <p:cNvSpPr/>
+          <p:nvPr/>
+        </p:nvSpPr>
+        <p:spPr>
+          <a:xfrm>
+            <a:off x="5906616" y="5236664"/>
+            <a:ext cx="914400" cy="612648"/>
+          </a:xfrm>
+          <a:prstGeom prst="flowChartAlternateProcess">
+            <a:avLst/>
+          </a:prstGeom>
+        </p:spPr>
+        <p:style>
+          <a:lnRef idx="2">
+            <a:schemeClr val="accent1"/>
+          </a:lnRef>
+          <a:fillRef idx="1">
+            <a:schemeClr val="lt1"/>
+          </a:fillRef>
+          <a:effectRef idx="0">
+            <a:schemeClr val="accent1"/>
+          </a:effectRef>
+          <a:fontRef idx="minor">
+            <a:schemeClr val="dk1"/>
+          </a:fontRef>
+        </p:style>
+        <p:txBody>
+          <a:bodyPr rtlCol="0" anchor="ctr"/>
+          <a:lstStyle/>
+          <a:p>
+            <a:pPr algn="ctr"/>
+            <a:endParaRPr kumimoji="1" lang="ja-JP" altLang="en-US"/>
+          </a:p>
+        </p:txBody>
+      </p:sp>
+      <p:sp>
+        <p:nvSpPr>
+          <p:cNvPr id="8" name="フローチャート : 代替処理 7"/>
+          <p:cNvSpPr/>
+          <p:nvPr/>
+        </p:nvSpPr>
+        <p:spPr>
+          <a:xfrm>
+            <a:off x="323528" y="3068960"/>
+            <a:ext cx="2376264" cy="792088"/>
+          </a:xfrm>
+          <a:prstGeom prst="flowChartAlternateProcess">
+            <a:avLst/>
+          </a:prstGeom>
+        </p:spPr>
+        <p:style>
+          <a:lnRef idx="2">
+            <a:schemeClr val="accent1"/>
+          </a:lnRef>
+          <a:fillRef idx="1">
+            <a:schemeClr val="lt1"/>
+          </a:fillRef>
+          <a:effectRef idx="0">
+            <a:schemeClr val="accent1"/>
+          </a:effectRef>
+          <a:fontRef idx="minor">
+            <a:schemeClr val="dk1"/>
+          </a:fontRef>
+        </p:style>
+        <p:txBody>
+          <a:bodyPr rtlCol="0" anchor="ctr"/>
+          <a:lstStyle/>
+          <a:p>
+            <a:pPr algn="ctr"/>
+            <a:r>
+              <a:rPr lang="ja-JP" altLang="en-US" dirty="0" smtClean="0"/>
+              <a:t>ランダムに</a:t>
+            </a:r>
+            <a:endParaRPr lang="en-US" altLang="ja-JP" dirty="0" smtClean="0"/>
+          </a:p>
+          <a:p>
+            <a:pPr algn="ctr"/>
+            <a:r>
+              <a:rPr lang="ja-JP" altLang="en-US" dirty="0" smtClean="0"/>
+              <a:t>土地に配置される</a:t>
+            </a:r>
+            <a:endParaRPr kumimoji="1" lang="ja-JP" altLang="en-US" dirty="0"/>
+          </a:p>
+        </p:txBody>
+      </p:sp>
+      <p:sp>
+        <p:nvSpPr>
+          <p:cNvPr id="9" name="フローチャート : 代替処理 8"/>
+          <p:cNvSpPr/>
+          <p:nvPr/>
+        </p:nvSpPr>
+        <p:spPr>
+          <a:xfrm>
+            <a:off x="323528" y="2209588"/>
+            <a:ext cx="1512168" cy="612648"/>
+          </a:xfrm>
+          <a:prstGeom prst="flowChartAlternateProcess">
+            <a:avLst/>
+          </a:prstGeom>
+        </p:spPr>
+        <p:style>
+          <a:lnRef idx="2">
+            <a:schemeClr val="accent1"/>
+          </a:lnRef>
+          <a:fillRef idx="1">
+            <a:schemeClr val="lt1"/>
+          </a:fillRef>
+          <a:effectRef idx="0">
+            <a:schemeClr val="accent1"/>
+          </a:effectRef>
+          <a:fontRef idx="minor">
+            <a:schemeClr val="dk1"/>
+          </a:fontRef>
+        </p:style>
+        <p:txBody>
+          <a:bodyPr rtlCol="0" anchor="ctr"/>
+          <a:lstStyle/>
+          <a:p>
+            <a:pPr algn="ctr"/>
+            <a:r>
+              <a:rPr kumimoji="1" lang="ja-JP" altLang="en-US" dirty="0" smtClean="0"/>
+              <a:t>初期感染</a:t>
+            </a:r>
+            <a:endParaRPr kumimoji="1" lang="ja-JP" altLang="en-US" dirty="0"/>
+          </a:p>
+        </p:txBody>
+      </p:sp>
+    </p:spTree>
+    <p:extLst>
+      <p:ext uri="{BB962C8B-B14F-4D97-AF65-F5344CB8AC3E}">
+        <p14:creationId xmlns:p14="http://schemas.microsoft.com/office/powerpoint/2010/main" val="1149217472"/>
+      </p:ext>
+    </p:extLst>
+  </p:cSld>
+  <p:clrMapOvr>
+    <a:masterClrMapping/>
+  </p:clrMapOvr>
+  <p:timing>
+    <p:tnLst>
+      <p:par>
+        <p:cTn id="1" dur="indefinite" restart="never" nodeType="tmRoot"/>
+      </p:par>
+    </p:tnLst>
+  </p:timing>
+</p:sld>
+</file>
+
+<file path=ppt/slides/slide18.xml><?xml version="1.0" encoding="utf-8"?>
+<p:sld xmlns:a="http://schemas.openxmlformats.org/drawingml/2006/main" xmlns:r="http://schemas.openxmlformats.org/officeDocument/2006/relationships" xmlns:p="http://schemas.openxmlformats.org/presentationml/2006/main">
+  <p:cSld>
+    <p:spTree>
+      <p:nvGrpSpPr>
+        <p:cNvPr id="1" name=""/>
+        <p:cNvGrpSpPr/>
+        <p:nvPr/>
+      </p:nvGrpSpPr>
+      <p:grpSpPr>
+        <a:xfrm>
+          <a:off x="0" y="0"/>
+          <a:ext cx="0" cy="0"/>
+          <a:chOff x="0" y="0"/>
+          <a:chExt cx="0" cy="0"/>
+        </a:xfrm>
+      </p:grpSpPr>
+      <p:sp>
+        <p:nvSpPr>
+          <p:cNvPr id="2" name="タイトル 1"/>
+          <p:cNvSpPr>
+            <a:spLocks noGrp="1"/>
+          </p:cNvSpPr>
+          <p:nvPr>
+            <p:ph type="title"/>
+          </p:nvPr>
+        </p:nvSpPr>
+        <p:spPr/>
+        <p:txBody>
+          <a:bodyPr/>
+          <a:lstStyle/>
+          <a:p>
+            <a:r>
+              <a:rPr kumimoji="1" lang="ja-JP" altLang="en-US" dirty="0" smtClean="0"/>
+              <a:t>パラメータ集合の分類</a:t>
+            </a:r>
+            <a:endParaRPr kumimoji="1" lang="ja-JP" altLang="en-US" dirty="0"/>
+          </a:p>
+        </p:txBody>
+      </p:sp>
+      <p:sp>
+        <p:nvSpPr>
+          <p:cNvPr id="3" name="コンテンツ プレースホルダー 2"/>
+          <p:cNvSpPr>
+            <a:spLocks noGrp="1"/>
+          </p:cNvSpPr>
+          <p:nvPr>
+            <p:ph idx="1"/>
+          </p:nvPr>
+        </p:nvSpPr>
+        <p:spPr/>
+        <p:txBody>
+          <a:bodyPr/>
+          <a:lstStyle/>
+          <a:p>
+            <a:r>
+              <a:rPr kumimoji="1" lang="ja-JP" altLang="en-US" dirty="0" smtClean="0"/>
+              <a:t>８つ</a:t>
+            </a:r>
+            <a:endParaRPr kumimoji="1" lang="ja-JP" altLang="en-US" dirty="0"/>
+          </a:p>
+        </p:txBody>
+      </p:sp>
+    </p:spTree>
+    <p:extLst>
+      <p:ext uri="{BB962C8B-B14F-4D97-AF65-F5344CB8AC3E}">
+        <p14:creationId xmlns:p14="http://schemas.microsoft.com/office/powerpoint/2010/main" val="3741923519"/>
+      </p:ext>
+    </p:extLst>
+  </p:cSld>
+  <p:clrMapOvr>
+    <a:masterClrMapping/>
+  </p:clrMapOvr>
+  <p:timing>
+    <p:tnLst>
+      <p:par>
+        <p:cTn id="1" dur="indefinite" restart="never" nodeType="tmRoot"/>
+      </p:par>
+    </p:tnLst>
+  </p:timing>
+</p:sld>
+</file>
+
+<file path=ppt/slides/slide2.xml><?xml version="1.0" encoding="utf-8"?>
+<p:sld xmlns:a="http://schemas.openxmlformats.org/drawingml/2006/main" xmlns:r="http://schemas.openxmlformats.org/officeDocument/2006/relationships" xmlns:p="http://schemas.openxmlformats.org/presentationml/2006/main">
+  <p:cSld>
+    <p:spTree>
+      <p:nvGrpSpPr>
+        <p:cNvPr id="1" name=""/>
+        <p:cNvGrpSpPr/>
+        <p:nvPr/>
+      </p:nvGrpSpPr>
+      <p:grpSpPr>
+        <a:xfrm>
+          <a:off x="0" y="0"/>
+          <a:ext cx="0" cy="0"/>
+          <a:chOff x="0" y="0"/>
+          <a:chExt cx="0" cy="0"/>
+        </a:xfrm>
+      </p:grpSpPr>
+      <p:sp>
+        <p:nvSpPr>
+          <p:cNvPr id="2" name="タイトル 1"/>
+          <p:cNvSpPr>
+            <a:spLocks noGrp="1"/>
+          </p:cNvSpPr>
+          <p:nvPr>
+            <p:ph type="title"/>
+          </p:nvPr>
+        </p:nvSpPr>
+        <p:spPr/>
+        <p:txBody>
+          <a:bodyPr/>
+          <a:lstStyle/>
+          <a:p>
+            <a:r>
+              <a:rPr kumimoji="1" lang="ja-JP" altLang="en-US" dirty="0" smtClean="0"/>
+              <a:t>研究目的</a:t>
+            </a:r>
+            <a:endParaRPr kumimoji="1" lang="ja-JP" altLang="en-US" dirty="0"/>
+          </a:p>
+        </p:txBody>
+      </p:sp>
+      <p:sp>
+        <p:nvSpPr>
+          <p:cNvPr id="3" name="コンテンツ プレースホルダー 2"/>
+          <p:cNvSpPr>
+            <a:spLocks noGrp="1"/>
+          </p:cNvSpPr>
+          <p:nvPr>
+            <p:ph idx="1"/>
+          </p:nvPr>
+        </p:nvSpPr>
+        <p:spPr/>
+        <p:txBody>
+          <a:bodyPr/>
+          <a:lstStyle/>
+          <a:p>
+            <a:r>
+              <a:rPr kumimoji="1" lang="ja-JP" altLang="en-US" dirty="0" smtClean="0"/>
+              <a:t>電子タグの照合により感染・免疫・病原体駆除を電子タグを用いて表現することにより、伝染病の感染拡大現象を微分方程式を用いたＳＩＲモデルよりも正確に表現できるＡＢＭを構築する。</a:t>
+            </a:r>
+            <a:endParaRPr kumimoji="1" lang="ja-JP" altLang="en-US" dirty="0"/>
+          </a:p>
+        </p:txBody>
+      </p:sp>
+    </p:spTree>
+    <p:extLst>
+      <p:ext uri="{BB962C8B-B14F-4D97-AF65-F5344CB8AC3E}">
+        <p14:creationId xmlns:p14="http://schemas.microsoft.com/office/powerpoint/2010/main" val="4191126535"/>
+      </p:ext>
+    </p:extLst>
+  </p:cSld>
+  <p:clrMapOvr>
+    <a:masterClrMapping/>
+  </p:clrMapOvr>
+</p:sld>
+</file>
+
+<file path=ppt/slides/slide3.xml><?xml version="1.0" encoding="utf-8"?>
+<p:sld xmlns:a="http://schemas.openxmlformats.org/drawingml/2006/main" xmlns:r="http://schemas.openxmlformats.org/officeDocument/2006/relationships" xmlns:p="http://schemas.openxmlformats.org/presentationml/2006/main">
+  <p:cSld>
+    <p:spTree>
+      <p:nvGrpSpPr>
+        <p:cNvPr id="1" name=""/>
+        <p:cNvGrpSpPr/>
+        <p:nvPr/>
+      </p:nvGrpSpPr>
+      <p:grpSpPr>
+        <a:xfrm>
+          <a:off x="0" y="0"/>
+          <a:ext cx="0" cy="0"/>
+          <a:chOff x="0" y="0"/>
+          <a:chExt cx="0" cy="0"/>
+        </a:xfrm>
+      </p:grpSpPr>
+      <p:sp>
+        <p:nvSpPr>
+          <p:cNvPr id="2" name="タイトル 1"/>
+          <p:cNvSpPr>
+            <a:spLocks noGrp="1"/>
+          </p:cNvSpPr>
+          <p:nvPr>
+            <p:ph type="title"/>
+          </p:nvPr>
+        </p:nvSpPr>
+        <p:spPr/>
+        <p:txBody>
+          <a:bodyPr/>
+          <a:lstStyle/>
+          <a:p>
+            <a:r>
+              <a:rPr kumimoji="1" lang="ja-JP" altLang="en-US" dirty="0" smtClean="0"/>
+              <a:t>研究目的２</a:t>
+            </a:r>
+            <a:endParaRPr kumimoji="1" lang="ja-JP" altLang="en-US" dirty="0"/>
+          </a:p>
+        </p:txBody>
+      </p:sp>
+      <p:sp>
+        <p:nvSpPr>
+          <p:cNvPr id="3" name="コンテンツ プレースホルダー 2"/>
+          <p:cNvSpPr>
+            <a:spLocks noGrp="1"/>
+          </p:cNvSpPr>
+          <p:nvPr>
+            <p:ph idx="1"/>
+          </p:nvPr>
+        </p:nvSpPr>
+        <p:spPr/>
+        <p:txBody>
+          <a:bodyPr/>
+          <a:lstStyle/>
+          <a:p>
+            <a:r>
+              <a:rPr kumimoji="1" lang="en-US" altLang="ja-JP" dirty="0" smtClean="0"/>
+              <a:t>2</a:t>
+            </a:r>
+            <a:r>
+              <a:rPr kumimoji="1" lang="ja-JP" altLang="en-US" dirty="0" smtClean="0"/>
+              <a:t>種類のウイルスが流行した場合、一方のウイルスの免疫を獲得することにより他方のウイルスに対する免疫を失うことが起こりうる。その結果社会全体で発生する免疫獲得とウイルス感染との間のある種の振動現象を数値解析的に再現する。</a:t>
+            </a:r>
+            <a:endParaRPr kumimoji="1" lang="ja-JP" altLang="en-US" dirty="0"/>
+          </a:p>
+        </p:txBody>
+      </p:sp>
+    </p:spTree>
+    <p:extLst>
+      <p:ext uri="{BB962C8B-B14F-4D97-AF65-F5344CB8AC3E}">
+        <p14:creationId xmlns:p14="http://schemas.microsoft.com/office/powerpoint/2010/main" val="2535459551"/>
+      </p:ext>
+    </p:extLst>
+  </p:cSld>
+  <p:clrMapOvr>
+    <a:masterClrMapping/>
+  </p:clrMapOvr>
+  <p:timing>
+    <p:tnLst>
+      <p:par>
+        <p:cTn id="1" dur="indefinite" restart="never" nodeType="tmRoot"/>
+      </p:par>
+    </p:tnLst>
+  </p:timing>
+</p:sld>
+</file>
+
+<file path=ppt/slides/slide4.xml><?xml version="1.0" encoding="utf-8"?>
+<p:sld xmlns:a="http://schemas.openxmlformats.org/drawingml/2006/main" xmlns:r="http://schemas.openxmlformats.org/officeDocument/2006/relationships" xmlns:p="http://schemas.openxmlformats.org/presentationml/2006/main">
+  <p:cSld>
+    <p:spTree>
+      <p:nvGrpSpPr>
+        <p:cNvPr id="1" name=""/>
+        <p:cNvGrpSpPr/>
+        <p:nvPr/>
+      </p:nvGrpSpPr>
+      <p:grpSpPr>
+        <a:xfrm>
+          <a:off x="0" y="0"/>
+          <a:ext cx="0" cy="0"/>
+          <a:chOff x="0" y="0"/>
+          <a:chExt cx="0" cy="0"/>
+        </a:xfrm>
+      </p:grpSpPr>
+      <p:sp>
+        <p:nvSpPr>
+          <p:cNvPr id="2" name="タイトル 1"/>
+          <p:cNvSpPr>
+            <a:spLocks noGrp="1"/>
+          </p:cNvSpPr>
+          <p:nvPr>
+            <p:ph type="title"/>
+          </p:nvPr>
+        </p:nvSpPr>
+        <p:spPr/>
+        <p:txBody>
+          <a:bodyPr/>
+          <a:lstStyle/>
+          <a:p>
+            <a:r>
+              <a:rPr kumimoji="1" lang="ja-JP" altLang="en-US" dirty="0" smtClean="0"/>
+              <a:t>研究の意義と背景</a:t>
+            </a:r>
+            <a:endParaRPr kumimoji="1" lang="ja-JP" altLang="en-US" dirty="0"/>
+          </a:p>
+        </p:txBody>
+      </p:sp>
+      <p:sp>
+        <p:nvSpPr>
+          <p:cNvPr id="3" name="コンテンツ プレースホルダー 2"/>
+          <p:cNvSpPr>
+            <a:spLocks noGrp="1"/>
+          </p:cNvSpPr>
+          <p:nvPr>
+            <p:ph idx="1"/>
+          </p:nvPr>
+        </p:nvSpPr>
+        <p:spPr/>
+        <p:txBody>
+          <a:bodyPr/>
+          <a:lstStyle/>
+          <a:p>
+            <a:r>
+              <a:rPr kumimoji="1" lang="ja-JP" altLang="en-US" dirty="0" smtClean="0"/>
+              <a:t>従来の微分方程式を基礎としたモデルでは個体における免疫機構の詳細にまで立ち入ることができなかった。本研究では電子タグを用いることにより、免疫機構をより正確にモデル化することができる。これにより社会全体における伝染病の感染拡大だけではなく、免疫機構の社会的な広がりをも表現することができる。</a:t>
+            </a:r>
+            <a:endParaRPr kumimoji="1" lang="ja-JP" altLang="en-US" dirty="0"/>
+          </a:p>
+        </p:txBody>
+      </p:sp>
+    </p:spTree>
+    <p:extLst>
+      <p:ext uri="{BB962C8B-B14F-4D97-AF65-F5344CB8AC3E}">
+        <p14:creationId xmlns:p14="http://schemas.microsoft.com/office/powerpoint/2010/main" val="1965611721"/>
+      </p:ext>
+    </p:extLst>
+  </p:cSld>
+  <p:clrMapOvr>
+    <a:masterClrMapping/>
+  </p:clrMapOvr>
+</p:sld>
+</file>
+
+<file path=ppt/slides/slide5.xml><?xml version="1.0" encoding="utf-8"?>
+<p:sld xmlns:a="http://schemas.openxmlformats.org/drawingml/2006/main" xmlns:r="http://schemas.openxmlformats.org/officeDocument/2006/relationships" xmlns:p="http://schemas.openxmlformats.org/presentationml/2006/main">
+  <p:cSld>
+    <p:spTree>
+      <p:nvGrpSpPr>
+        <p:cNvPr id="1" name=""/>
+        <p:cNvGrpSpPr/>
+        <p:nvPr/>
+      </p:nvGrpSpPr>
+      <p:grpSpPr>
+        <a:xfrm>
+          <a:off x="0" y="0"/>
+          <a:ext cx="0" cy="0"/>
+          <a:chOff x="0" y="0"/>
+          <a:chExt cx="0" cy="0"/>
+        </a:xfrm>
+      </p:grpSpPr>
+      <p:sp>
+        <p:nvSpPr>
+          <p:cNvPr id="2" name="タイトル 1"/>
+          <p:cNvSpPr>
+            <a:spLocks noGrp="1"/>
+          </p:cNvSpPr>
+          <p:nvPr>
+            <p:ph type="title"/>
+          </p:nvPr>
+        </p:nvSpPr>
+        <p:spPr/>
+        <p:txBody>
+          <a:bodyPr/>
+          <a:lstStyle/>
+          <a:p>
+            <a:r>
+              <a:rPr kumimoji="1" lang="ja-JP" altLang="en-US" dirty="0" smtClean="0"/>
+              <a:t>先行研究紹介</a:t>
+            </a:r>
+            <a:endParaRPr kumimoji="1" lang="ja-JP" altLang="en-US" dirty="0"/>
+          </a:p>
+        </p:txBody>
+      </p:sp>
+      <p:sp>
+        <p:nvSpPr>
+          <p:cNvPr id="3" name="コンテンツ プレースホルダー 2"/>
+          <p:cNvSpPr>
+            <a:spLocks noGrp="1"/>
+          </p:cNvSpPr>
+          <p:nvPr>
+            <p:ph idx="1"/>
+          </p:nvPr>
+        </p:nvSpPr>
+        <p:spPr/>
+        <p:txBody>
+          <a:bodyPr/>
+          <a:lstStyle/>
+          <a:p>
+            <a:endParaRPr kumimoji="1" lang="ja-JP" altLang="en-US"/>
+          </a:p>
+        </p:txBody>
+      </p:sp>
+    </p:spTree>
+    <p:extLst>
+      <p:ext uri="{BB962C8B-B14F-4D97-AF65-F5344CB8AC3E}">
+        <p14:creationId xmlns:p14="http://schemas.microsoft.com/office/powerpoint/2010/main" val="492649640"/>
+      </p:ext>
+    </p:extLst>
+  </p:cSld>
+  <p:clrMapOvr>
+    <a:masterClrMapping/>
+  </p:clrMapOvr>
+</p:sld>
+</file>
+
+<file path=ppt/slides/slide6.xml><?xml version="1.0" encoding="utf-8"?>
+<p:sld xmlns:a="http://schemas.openxmlformats.org/drawingml/2006/main" xmlns:r="http://schemas.openxmlformats.org/officeDocument/2006/relationships" xmlns:p="http://schemas.openxmlformats.org/presentationml/2006/main">
+  <p:cSld>
+    <p:spTree>
+      <p:nvGrpSpPr>
+        <p:cNvPr id="1" name=""/>
+        <p:cNvGrpSpPr/>
+        <p:nvPr/>
+      </p:nvGrpSpPr>
+      <p:grpSpPr>
+        <a:xfrm>
+          <a:off x="0" y="0"/>
+          <a:ext cx="0" cy="0"/>
+          <a:chOff x="0" y="0"/>
+          <a:chExt cx="0" cy="0"/>
+        </a:xfrm>
+      </p:grpSpPr>
+      <p:sp>
+        <p:nvSpPr>
+          <p:cNvPr id="2" name="タイトル 1"/>
+          <p:cNvSpPr>
+            <a:spLocks noGrp="1"/>
+          </p:cNvSpPr>
+          <p:nvPr>
+            <p:ph type="title"/>
+          </p:nvPr>
+        </p:nvSpPr>
+        <p:spPr/>
+        <p:txBody>
+          <a:bodyPr/>
+          <a:lstStyle/>
+          <a:p>
+            <a:r>
+              <a:rPr kumimoji="1" lang="ja-JP" altLang="en-US" dirty="0" smtClean="0"/>
+              <a:t>（（（ＡＢＭとは何か</a:t>
+            </a:r>
+            <a:endParaRPr kumimoji="1" lang="ja-JP" altLang="en-US" dirty="0"/>
+          </a:p>
+        </p:txBody>
+      </p:sp>
+      <p:sp>
+        <p:nvSpPr>
+          <p:cNvPr id="3" name="コンテンツ プレースホルダー 2"/>
+          <p:cNvSpPr>
+            <a:spLocks noGrp="1"/>
+          </p:cNvSpPr>
+          <p:nvPr>
+            <p:ph idx="1"/>
+          </p:nvPr>
+        </p:nvSpPr>
+        <p:spPr/>
+        <p:txBody>
+          <a:bodyPr/>
+          <a:lstStyle/>
+          <a:p>
+            <a:endParaRPr kumimoji="1" lang="ja-JP" altLang="en-US" dirty="0"/>
+          </a:p>
+        </p:txBody>
+      </p:sp>
+    </p:spTree>
+    <p:extLst>
+      <p:ext uri="{BB962C8B-B14F-4D97-AF65-F5344CB8AC3E}">
+        <p14:creationId xmlns:p14="http://schemas.microsoft.com/office/powerpoint/2010/main" val="862563941"/>
+      </p:ext>
+    </p:extLst>
+  </p:cSld>
+  <p:clrMapOvr>
+    <a:masterClrMapping/>
+  </p:clrMapOvr>
+  <p:timing>
+    <p:tnLst>
+      <p:par>
+        <p:cTn id="1" dur="indefinite" restart="never" nodeType="tmRoot"/>
+      </p:par>
+    </p:tnLst>
+  </p:timing>
+</p:sld>
+</file>
+
+<file path=ppt/slides/slide7.xml><?xml version="1.0" encoding="utf-8"?>
 <p:sld xmlns:a="http://schemas.openxmlformats.org/drawingml/2006/main" xmlns:r="http://schemas.openxmlformats.org/officeDocument/2006/relationships" xmlns:p="http://schemas.openxmlformats.org/presentationml/2006/main">
   <p:cSld>
     <p:spTree>
@@ -4606,10 +5570,10 @@
           <a:p>
             <a:pPr algn="ctr"/>
             <a:r>
-              <a:rPr kumimoji="1" lang="ja-JP" altLang="en-US" dirty="0" smtClean="0"/>
+              <a:rPr kumimoji="1" lang="ja-JP" altLang="en-US" b="1" dirty="0" smtClean="0"/>
               <a:t>再配置</a:t>
             </a:r>
-            <a:endParaRPr kumimoji="1" lang="ja-JP" altLang="en-US" dirty="0"/>
+            <a:endParaRPr kumimoji="1" lang="ja-JP" altLang="en-US" b="1" dirty="0"/>
           </a:p>
         </p:txBody>
       </p:sp>
@@ -4648,10 +5612,10 @@
           <a:p>
             <a:pPr algn="ctr"/>
             <a:r>
-              <a:rPr kumimoji="1" lang="ja-JP" altLang="en-US" dirty="0" smtClean="0"/>
+              <a:rPr kumimoji="1" lang="ja-JP" altLang="en-US" b="1" dirty="0" smtClean="0"/>
               <a:t>接触</a:t>
             </a:r>
-            <a:endParaRPr kumimoji="1" lang="ja-JP" altLang="en-US" dirty="0"/>
+            <a:endParaRPr kumimoji="1" lang="ja-JP" altLang="en-US" b="1" dirty="0"/>
           </a:p>
         </p:txBody>
       </p:sp>
@@ -4690,10 +5654,10 @@
           <a:p>
             <a:pPr algn="ctr"/>
             <a:r>
-              <a:rPr kumimoji="1" lang="ja-JP" altLang="en-US" dirty="0" smtClean="0"/>
+              <a:rPr kumimoji="1" lang="ja-JP" altLang="en-US" b="1" dirty="0" smtClean="0"/>
               <a:t>感染</a:t>
             </a:r>
-            <a:endParaRPr kumimoji="1" lang="ja-JP" altLang="en-US" dirty="0"/>
+            <a:endParaRPr kumimoji="1" lang="ja-JP" altLang="en-US" b="1" dirty="0"/>
           </a:p>
         </p:txBody>
       </p:sp>
@@ -4732,10 +5696,10 @@
           <a:p>
             <a:pPr algn="ctr"/>
             <a:r>
-              <a:rPr kumimoji="1" lang="ja-JP" altLang="en-US" dirty="0" smtClean="0"/>
+              <a:rPr kumimoji="1" lang="ja-JP" altLang="en-US" b="1" dirty="0" smtClean="0"/>
               <a:t>免疫応答</a:t>
             </a:r>
-            <a:endParaRPr kumimoji="1" lang="ja-JP" altLang="en-US" dirty="0"/>
+            <a:endParaRPr kumimoji="1" lang="ja-JP" altLang="en-US" b="1" dirty="0"/>
           </a:p>
         </p:txBody>
       </p:sp>
@@ -4854,10 +5818,10 @@
           <a:p>
             <a:pPr algn="ctr"/>
             <a:r>
-              <a:rPr kumimoji="1" lang="ja-JP" altLang="en-US" dirty="0" smtClean="0"/>
+              <a:rPr kumimoji="1" lang="ja-JP" altLang="en-US" b="1" dirty="0" smtClean="0"/>
               <a:t>初期感染</a:t>
             </a:r>
-            <a:endParaRPr kumimoji="1" lang="ja-JP" altLang="en-US" dirty="0"/>
+            <a:endParaRPr kumimoji="1" lang="ja-JP" altLang="en-US" b="1" dirty="0"/>
           </a:p>
         </p:txBody>
       </p:sp>
@@ -5070,931 +6034,6 @@
     <p:extLst>
       <p:ext uri="{BB962C8B-B14F-4D97-AF65-F5344CB8AC3E}">
         <p14:creationId xmlns:p14="http://schemas.microsoft.com/office/powerpoint/2010/main" val="2685871103"/>
-      </p:ext>
-    </p:extLst>
-  </p:cSld>
-  <p:clrMapOvr>
-    <a:masterClrMapping/>
-  </p:clrMapOvr>
-  <p:timing>
-    <p:tnLst>
-      <p:par>
-        <p:cTn id="1" dur="indefinite" restart="never" nodeType="tmRoot"/>
-      </p:par>
-    </p:tnLst>
-  </p:timing>
-</p:sld>
-</file>
-
-<file path=ppt/slides/slide16.xml><?xml version="1.0" encoding="utf-8"?>
-<p:sld xmlns:a="http://schemas.openxmlformats.org/drawingml/2006/main" xmlns:r="http://schemas.openxmlformats.org/officeDocument/2006/relationships" xmlns:p="http://schemas.openxmlformats.org/presentationml/2006/main">
-  <p:cSld>
-    <p:spTree>
-      <p:nvGrpSpPr>
-        <p:cNvPr id="1" name=""/>
-        <p:cNvGrpSpPr/>
-        <p:nvPr/>
-      </p:nvGrpSpPr>
-      <p:grpSpPr>
-        <a:xfrm>
-          <a:off x="0" y="0"/>
-          <a:ext cx="0" cy="0"/>
-          <a:chOff x="0" y="0"/>
-          <a:chExt cx="0" cy="0"/>
-        </a:xfrm>
-      </p:grpSpPr>
-      <p:sp>
-        <p:nvSpPr>
-          <p:cNvPr id="2" name="フローチャート : 代替処理 1"/>
-          <p:cNvSpPr/>
-          <p:nvPr/>
-        </p:nvSpPr>
-        <p:spPr>
-          <a:xfrm>
-            <a:off x="323528" y="260648"/>
-            <a:ext cx="1656184" cy="432048"/>
-          </a:xfrm>
-          <a:prstGeom prst="flowChartAlternateProcess">
-            <a:avLst/>
-          </a:prstGeom>
-        </p:spPr>
-        <p:style>
-          <a:lnRef idx="2">
-            <a:schemeClr val="accent1"/>
-          </a:lnRef>
-          <a:fillRef idx="1">
-            <a:schemeClr val="lt1"/>
-          </a:fillRef>
-          <a:effectRef idx="0">
-            <a:schemeClr val="accent1"/>
-          </a:effectRef>
-          <a:fontRef idx="minor">
-            <a:schemeClr val="dk1"/>
-          </a:fontRef>
-        </p:style>
-        <p:txBody>
-          <a:bodyPr rtlCol="0" anchor="ctr"/>
-          <a:lstStyle/>
-          <a:p>
-            <a:pPr algn="ctr"/>
-            <a:r>
-              <a:rPr kumimoji="1" lang="ja-JP" altLang="en-US" dirty="0" smtClean="0"/>
-              <a:t>個体の行動</a:t>
-            </a:r>
-            <a:endParaRPr kumimoji="1" lang="ja-JP" altLang="en-US" dirty="0"/>
-          </a:p>
-        </p:txBody>
-      </p:sp>
-      <p:sp>
-        <p:nvSpPr>
-          <p:cNvPr id="3" name="フローチャート : 代替処理 2"/>
-          <p:cNvSpPr/>
-          <p:nvPr/>
-        </p:nvSpPr>
-        <p:spPr>
-          <a:xfrm>
-            <a:off x="5906616" y="4345568"/>
-            <a:ext cx="914400" cy="612648"/>
-          </a:xfrm>
-          <a:prstGeom prst="flowChartAlternateProcess">
-            <a:avLst/>
-          </a:prstGeom>
-        </p:spPr>
-        <p:style>
-          <a:lnRef idx="2">
-            <a:schemeClr val="accent1"/>
-          </a:lnRef>
-          <a:fillRef idx="1">
-            <a:schemeClr val="lt1"/>
-          </a:fillRef>
-          <a:effectRef idx="0">
-            <a:schemeClr val="accent1"/>
-          </a:effectRef>
-          <a:fontRef idx="minor">
-            <a:schemeClr val="dk1"/>
-          </a:fontRef>
-        </p:style>
-        <p:txBody>
-          <a:bodyPr rtlCol="0" anchor="ctr"/>
-          <a:lstStyle/>
-          <a:p>
-            <a:pPr algn="ctr"/>
-            <a:endParaRPr kumimoji="1" lang="ja-JP" altLang="en-US"/>
-          </a:p>
-        </p:txBody>
-      </p:sp>
-      <p:sp>
-        <p:nvSpPr>
-          <p:cNvPr id="4" name="フローチャート : 端子 3"/>
-          <p:cNvSpPr/>
-          <p:nvPr/>
-        </p:nvSpPr>
-        <p:spPr>
-          <a:xfrm>
-            <a:off x="323528" y="1700808"/>
-            <a:ext cx="914400" cy="301752"/>
-          </a:xfrm>
-          <a:prstGeom prst="flowChartTerminator">
-            <a:avLst/>
-          </a:prstGeom>
-        </p:spPr>
-        <p:style>
-          <a:lnRef idx="2">
-            <a:schemeClr val="accent1"/>
-          </a:lnRef>
-          <a:fillRef idx="1">
-            <a:schemeClr val="lt1"/>
-          </a:fillRef>
-          <a:effectRef idx="0">
-            <a:schemeClr val="accent1"/>
-          </a:effectRef>
-          <a:fontRef idx="minor">
-            <a:schemeClr val="dk1"/>
-          </a:fontRef>
-        </p:style>
-        <p:txBody>
-          <a:bodyPr rtlCol="0" anchor="ctr"/>
-          <a:lstStyle/>
-          <a:p>
-            <a:pPr algn="ctr"/>
-            <a:r>
-              <a:rPr kumimoji="1" lang="ja-JP" altLang="en-US" dirty="0" smtClean="0"/>
-              <a:t>開始</a:t>
-            </a:r>
-            <a:endParaRPr kumimoji="1" lang="ja-JP" altLang="en-US" dirty="0"/>
-          </a:p>
-        </p:txBody>
-      </p:sp>
-      <p:sp>
-        <p:nvSpPr>
-          <p:cNvPr id="5" name="フローチャート : 端子 4"/>
-          <p:cNvSpPr/>
-          <p:nvPr/>
-        </p:nvSpPr>
-        <p:spPr>
-          <a:xfrm>
-            <a:off x="5906616" y="6165304"/>
-            <a:ext cx="914400" cy="301752"/>
-          </a:xfrm>
-          <a:prstGeom prst="flowChartTerminator">
-            <a:avLst/>
-          </a:prstGeom>
-        </p:spPr>
-        <p:style>
-          <a:lnRef idx="2">
-            <a:schemeClr val="accent1"/>
-          </a:lnRef>
-          <a:fillRef idx="1">
-            <a:schemeClr val="lt1"/>
-          </a:fillRef>
-          <a:effectRef idx="0">
-            <a:schemeClr val="accent1"/>
-          </a:effectRef>
-          <a:fontRef idx="minor">
-            <a:schemeClr val="dk1"/>
-          </a:fontRef>
-        </p:style>
-        <p:txBody>
-          <a:bodyPr rtlCol="0" anchor="ctr"/>
-          <a:lstStyle/>
-          <a:p>
-            <a:pPr algn="ctr"/>
-            <a:r>
-              <a:rPr kumimoji="1" lang="ja-JP" altLang="en-US" dirty="0" smtClean="0"/>
-              <a:t>終了</a:t>
-            </a:r>
-            <a:endParaRPr kumimoji="1" lang="ja-JP" altLang="en-US" dirty="0"/>
-          </a:p>
-        </p:txBody>
-      </p:sp>
-      <p:sp>
-        <p:nvSpPr>
-          <p:cNvPr id="6" name="フローチャート : 代替処理 5"/>
-          <p:cNvSpPr/>
-          <p:nvPr/>
-        </p:nvSpPr>
-        <p:spPr>
-          <a:xfrm>
-            <a:off x="323528" y="4149080"/>
-            <a:ext cx="3646496" cy="1235436"/>
-          </a:xfrm>
-          <a:prstGeom prst="flowChartAlternateProcess">
-            <a:avLst/>
-          </a:prstGeom>
-        </p:spPr>
-        <p:style>
-          <a:lnRef idx="2">
-            <a:schemeClr val="accent1"/>
-          </a:lnRef>
-          <a:fillRef idx="1">
-            <a:schemeClr val="lt1"/>
-          </a:fillRef>
-          <a:effectRef idx="0">
-            <a:schemeClr val="accent1"/>
-          </a:effectRef>
-          <a:fontRef idx="minor">
-            <a:schemeClr val="dk1"/>
-          </a:fontRef>
-        </p:style>
-        <p:txBody>
-          <a:bodyPr rtlCol="0" anchor="ctr"/>
-          <a:lstStyle/>
-          <a:p>
-            <a:pPr algn="ctr"/>
-            <a:r>
-              <a:rPr kumimoji="1" lang="ja-JP" altLang="en-US" dirty="0" smtClean="0"/>
-              <a:t>近隣の他個体それぞれに対して、保持ウイルスの中からランダムで１つ選び、待機ウイルスに加える</a:t>
-            </a:r>
-            <a:endParaRPr kumimoji="1" lang="ja-JP" altLang="en-US" dirty="0"/>
-          </a:p>
-        </p:txBody>
-      </p:sp>
-      <p:sp>
-        <p:nvSpPr>
-          <p:cNvPr id="7" name="フローチャート : 代替処理 6"/>
-          <p:cNvSpPr/>
-          <p:nvPr/>
-        </p:nvSpPr>
-        <p:spPr>
-          <a:xfrm>
-            <a:off x="5906616" y="5236664"/>
-            <a:ext cx="914400" cy="612648"/>
-          </a:xfrm>
-          <a:prstGeom prst="flowChartAlternateProcess">
-            <a:avLst/>
-          </a:prstGeom>
-        </p:spPr>
-        <p:style>
-          <a:lnRef idx="2">
-            <a:schemeClr val="accent1"/>
-          </a:lnRef>
-          <a:fillRef idx="1">
-            <a:schemeClr val="lt1"/>
-          </a:fillRef>
-          <a:effectRef idx="0">
-            <a:schemeClr val="accent1"/>
-          </a:effectRef>
-          <a:fontRef idx="minor">
-            <a:schemeClr val="dk1"/>
-          </a:fontRef>
-        </p:style>
-        <p:txBody>
-          <a:bodyPr rtlCol="0" anchor="ctr"/>
-          <a:lstStyle/>
-          <a:p>
-            <a:pPr algn="ctr"/>
-            <a:endParaRPr kumimoji="1" lang="ja-JP" altLang="en-US"/>
-          </a:p>
-        </p:txBody>
-      </p:sp>
-      <p:sp>
-        <p:nvSpPr>
-          <p:cNvPr id="8" name="フローチャート : 代替処理 7"/>
-          <p:cNvSpPr/>
-          <p:nvPr/>
-        </p:nvSpPr>
-        <p:spPr>
-          <a:xfrm>
-            <a:off x="323528" y="3068960"/>
-            <a:ext cx="2376264" cy="792088"/>
-          </a:xfrm>
-          <a:prstGeom prst="flowChartAlternateProcess">
-            <a:avLst/>
-          </a:prstGeom>
-        </p:spPr>
-        <p:style>
-          <a:lnRef idx="2">
-            <a:schemeClr val="accent1"/>
-          </a:lnRef>
-          <a:fillRef idx="1">
-            <a:schemeClr val="lt1"/>
-          </a:fillRef>
-          <a:effectRef idx="0">
-            <a:schemeClr val="accent1"/>
-          </a:effectRef>
-          <a:fontRef idx="minor">
-            <a:schemeClr val="dk1"/>
-          </a:fontRef>
-        </p:style>
-        <p:txBody>
-          <a:bodyPr rtlCol="0" anchor="ctr"/>
-          <a:lstStyle/>
-          <a:p>
-            <a:pPr algn="ctr"/>
-            <a:r>
-              <a:rPr lang="ja-JP" altLang="en-US" dirty="0" smtClean="0"/>
-              <a:t>ランダムに</a:t>
-            </a:r>
-            <a:endParaRPr lang="en-US" altLang="ja-JP" dirty="0" smtClean="0"/>
-          </a:p>
-          <a:p>
-            <a:pPr algn="ctr"/>
-            <a:r>
-              <a:rPr lang="ja-JP" altLang="en-US" dirty="0" smtClean="0"/>
-              <a:t>土地に配置される</a:t>
-            </a:r>
-            <a:endParaRPr kumimoji="1" lang="ja-JP" altLang="en-US" dirty="0"/>
-          </a:p>
-        </p:txBody>
-      </p:sp>
-      <p:sp>
-        <p:nvSpPr>
-          <p:cNvPr id="9" name="フローチャート : 代替処理 8"/>
-          <p:cNvSpPr/>
-          <p:nvPr/>
-        </p:nvSpPr>
-        <p:spPr>
-          <a:xfrm>
-            <a:off x="323528" y="2209588"/>
-            <a:ext cx="1512168" cy="612648"/>
-          </a:xfrm>
-          <a:prstGeom prst="flowChartAlternateProcess">
-            <a:avLst/>
-          </a:prstGeom>
-        </p:spPr>
-        <p:style>
-          <a:lnRef idx="2">
-            <a:schemeClr val="accent1"/>
-          </a:lnRef>
-          <a:fillRef idx="1">
-            <a:schemeClr val="lt1"/>
-          </a:fillRef>
-          <a:effectRef idx="0">
-            <a:schemeClr val="accent1"/>
-          </a:effectRef>
-          <a:fontRef idx="minor">
-            <a:schemeClr val="dk1"/>
-          </a:fontRef>
-        </p:style>
-        <p:txBody>
-          <a:bodyPr rtlCol="0" anchor="ctr"/>
-          <a:lstStyle/>
-          <a:p>
-            <a:pPr algn="ctr"/>
-            <a:r>
-              <a:rPr kumimoji="1" lang="ja-JP" altLang="en-US" dirty="0" smtClean="0"/>
-              <a:t>初期感染</a:t>
-            </a:r>
-            <a:endParaRPr kumimoji="1" lang="ja-JP" altLang="en-US" dirty="0"/>
-          </a:p>
-        </p:txBody>
-      </p:sp>
-    </p:spTree>
-    <p:extLst>
-      <p:ext uri="{BB962C8B-B14F-4D97-AF65-F5344CB8AC3E}">
-        <p14:creationId xmlns:p14="http://schemas.microsoft.com/office/powerpoint/2010/main" val="1149217472"/>
-      </p:ext>
-    </p:extLst>
-  </p:cSld>
-  <p:clrMapOvr>
-    <a:masterClrMapping/>
-  </p:clrMapOvr>
-  <p:timing>
-    <p:tnLst>
-      <p:par>
-        <p:cTn id="1" dur="indefinite" restart="never" nodeType="tmRoot"/>
-      </p:par>
-    </p:tnLst>
-  </p:timing>
-</p:sld>
-</file>
-
-<file path=ppt/slides/slide17.xml><?xml version="1.0" encoding="utf-8"?>
-<p:sld xmlns:a="http://schemas.openxmlformats.org/drawingml/2006/main" xmlns:r="http://schemas.openxmlformats.org/officeDocument/2006/relationships" xmlns:p="http://schemas.openxmlformats.org/presentationml/2006/main">
-  <p:cSld>
-    <p:spTree>
-      <p:nvGrpSpPr>
-        <p:cNvPr id="1" name=""/>
-        <p:cNvGrpSpPr/>
-        <p:nvPr/>
-      </p:nvGrpSpPr>
-      <p:grpSpPr>
-        <a:xfrm>
-          <a:off x="0" y="0"/>
-          <a:ext cx="0" cy="0"/>
-          <a:chOff x="0" y="0"/>
-          <a:chExt cx="0" cy="0"/>
-        </a:xfrm>
-      </p:grpSpPr>
-      <p:sp>
-        <p:nvSpPr>
-          <p:cNvPr id="2" name="タイトル 1"/>
-          <p:cNvSpPr>
-            <a:spLocks noGrp="1"/>
-          </p:cNvSpPr>
-          <p:nvPr>
-            <p:ph type="title"/>
-          </p:nvPr>
-        </p:nvSpPr>
-        <p:spPr/>
-        <p:txBody>
-          <a:bodyPr/>
-          <a:lstStyle/>
-          <a:p>
-            <a:r>
-              <a:rPr kumimoji="1" lang="ja-JP" altLang="en-US" dirty="0" smtClean="0"/>
-              <a:t>パラメータ集合の分類</a:t>
-            </a:r>
-            <a:endParaRPr kumimoji="1" lang="ja-JP" altLang="en-US" dirty="0"/>
-          </a:p>
-        </p:txBody>
-      </p:sp>
-      <p:sp>
-        <p:nvSpPr>
-          <p:cNvPr id="3" name="コンテンツ プレースホルダー 2"/>
-          <p:cNvSpPr>
-            <a:spLocks noGrp="1"/>
-          </p:cNvSpPr>
-          <p:nvPr>
-            <p:ph idx="1"/>
-          </p:nvPr>
-        </p:nvSpPr>
-        <p:spPr/>
-        <p:txBody>
-          <a:bodyPr/>
-          <a:lstStyle/>
-          <a:p>
-            <a:r>
-              <a:rPr kumimoji="1" lang="ja-JP" altLang="en-US" dirty="0" smtClean="0"/>
-              <a:t>８つ</a:t>
-            </a:r>
-            <a:endParaRPr kumimoji="1" lang="ja-JP" altLang="en-US" dirty="0"/>
-          </a:p>
-        </p:txBody>
-      </p:sp>
-    </p:spTree>
-    <p:extLst>
-      <p:ext uri="{BB962C8B-B14F-4D97-AF65-F5344CB8AC3E}">
-        <p14:creationId xmlns:p14="http://schemas.microsoft.com/office/powerpoint/2010/main" val="3741923519"/>
-      </p:ext>
-    </p:extLst>
-  </p:cSld>
-  <p:clrMapOvr>
-    <a:masterClrMapping/>
-  </p:clrMapOvr>
-  <p:timing>
-    <p:tnLst>
-      <p:par>
-        <p:cTn id="1" dur="indefinite" restart="never" nodeType="tmRoot"/>
-      </p:par>
-    </p:tnLst>
-  </p:timing>
-</p:sld>
-</file>
-
-<file path=ppt/slides/slide2.xml><?xml version="1.0" encoding="utf-8"?>
-<p:sld xmlns:a="http://schemas.openxmlformats.org/drawingml/2006/main" xmlns:r="http://schemas.openxmlformats.org/officeDocument/2006/relationships" xmlns:p="http://schemas.openxmlformats.org/presentationml/2006/main">
-  <p:cSld>
-    <p:spTree>
-      <p:nvGrpSpPr>
-        <p:cNvPr id="1" name=""/>
-        <p:cNvGrpSpPr/>
-        <p:nvPr/>
-      </p:nvGrpSpPr>
-      <p:grpSpPr>
-        <a:xfrm>
-          <a:off x="0" y="0"/>
-          <a:ext cx="0" cy="0"/>
-          <a:chOff x="0" y="0"/>
-          <a:chExt cx="0" cy="0"/>
-        </a:xfrm>
-      </p:grpSpPr>
-      <p:sp>
-        <p:nvSpPr>
-          <p:cNvPr id="2" name="タイトル 1"/>
-          <p:cNvSpPr>
-            <a:spLocks noGrp="1"/>
-          </p:cNvSpPr>
-          <p:nvPr>
-            <p:ph type="title"/>
-          </p:nvPr>
-        </p:nvSpPr>
-        <p:spPr/>
-        <p:txBody>
-          <a:bodyPr/>
-          <a:lstStyle/>
-          <a:p>
-            <a:r>
-              <a:rPr kumimoji="1" lang="ja-JP" altLang="en-US" dirty="0" smtClean="0"/>
-              <a:t>研究目的</a:t>
-            </a:r>
-            <a:endParaRPr kumimoji="1" lang="ja-JP" altLang="en-US" dirty="0"/>
-          </a:p>
-        </p:txBody>
-      </p:sp>
-      <p:sp>
-        <p:nvSpPr>
-          <p:cNvPr id="3" name="コンテンツ プレースホルダー 2"/>
-          <p:cNvSpPr>
-            <a:spLocks noGrp="1"/>
-          </p:cNvSpPr>
-          <p:nvPr>
-            <p:ph idx="1"/>
-          </p:nvPr>
-        </p:nvSpPr>
-        <p:spPr/>
-        <p:txBody>
-          <a:bodyPr/>
-          <a:lstStyle/>
-          <a:p>
-            <a:r>
-              <a:rPr kumimoji="1" lang="ja-JP" altLang="en-US" dirty="0" smtClean="0"/>
-              <a:t>電子タグの照合により感染・免疫・病原体駆除を電子タグを用いて表現することにより、伝染病の感染拡大現象を微分方程式を用いたＳＩＲモデルよりも正確に表現できるＡＢＭを構築する。</a:t>
-            </a:r>
-            <a:endParaRPr kumimoji="1" lang="ja-JP" altLang="en-US" dirty="0"/>
-          </a:p>
-        </p:txBody>
-      </p:sp>
-    </p:spTree>
-    <p:extLst>
-      <p:ext uri="{BB962C8B-B14F-4D97-AF65-F5344CB8AC3E}">
-        <p14:creationId xmlns:p14="http://schemas.microsoft.com/office/powerpoint/2010/main" val="4191126535"/>
-      </p:ext>
-    </p:extLst>
-  </p:cSld>
-  <p:clrMapOvr>
-    <a:masterClrMapping/>
-  </p:clrMapOvr>
-</p:sld>
-</file>
-
-<file path=ppt/slides/slide3.xml><?xml version="1.0" encoding="utf-8"?>
-<p:sld xmlns:a="http://schemas.openxmlformats.org/drawingml/2006/main" xmlns:r="http://schemas.openxmlformats.org/officeDocument/2006/relationships" xmlns:p="http://schemas.openxmlformats.org/presentationml/2006/main">
-  <p:cSld>
-    <p:spTree>
-      <p:nvGrpSpPr>
-        <p:cNvPr id="1" name=""/>
-        <p:cNvGrpSpPr/>
-        <p:nvPr/>
-      </p:nvGrpSpPr>
-      <p:grpSpPr>
-        <a:xfrm>
-          <a:off x="0" y="0"/>
-          <a:ext cx="0" cy="0"/>
-          <a:chOff x="0" y="0"/>
-          <a:chExt cx="0" cy="0"/>
-        </a:xfrm>
-      </p:grpSpPr>
-      <p:sp>
-        <p:nvSpPr>
-          <p:cNvPr id="2" name="タイトル 1"/>
-          <p:cNvSpPr>
-            <a:spLocks noGrp="1"/>
-          </p:cNvSpPr>
-          <p:nvPr>
-            <p:ph type="title"/>
-          </p:nvPr>
-        </p:nvSpPr>
-        <p:spPr/>
-        <p:txBody>
-          <a:bodyPr/>
-          <a:lstStyle/>
-          <a:p>
-            <a:r>
-              <a:rPr kumimoji="1" lang="ja-JP" altLang="en-US" dirty="0" smtClean="0"/>
-              <a:t>研究目的２</a:t>
-            </a:r>
-            <a:endParaRPr kumimoji="1" lang="ja-JP" altLang="en-US" dirty="0"/>
-          </a:p>
-        </p:txBody>
-      </p:sp>
-      <p:sp>
-        <p:nvSpPr>
-          <p:cNvPr id="3" name="コンテンツ プレースホルダー 2"/>
-          <p:cNvSpPr>
-            <a:spLocks noGrp="1"/>
-          </p:cNvSpPr>
-          <p:nvPr>
-            <p:ph idx="1"/>
-          </p:nvPr>
-        </p:nvSpPr>
-        <p:spPr/>
-        <p:txBody>
-          <a:bodyPr/>
-          <a:lstStyle/>
-          <a:p>
-            <a:r>
-              <a:rPr kumimoji="1" lang="en-US" altLang="ja-JP" dirty="0" smtClean="0"/>
-              <a:t>2</a:t>
-            </a:r>
-            <a:r>
-              <a:rPr kumimoji="1" lang="ja-JP" altLang="en-US" dirty="0" smtClean="0"/>
-              <a:t>種類のウイルスが流行した場合、一方のウイルスの免疫を獲得することにより他方のウイルスに対する免疫を失うことが起こりうる。その結果社会全体で発生する免疫獲得とウイルス感染との間のある種の振動現象を数値解析的に再現する。</a:t>
-            </a:r>
-            <a:endParaRPr kumimoji="1" lang="ja-JP" altLang="en-US" dirty="0"/>
-          </a:p>
-        </p:txBody>
-      </p:sp>
-    </p:spTree>
-    <p:extLst>
-      <p:ext uri="{BB962C8B-B14F-4D97-AF65-F5344CB8AC3E}">
-        <p14:creationId xmlns:p14="http://schemas.microsoft.com/office/powerpoint/2010/main" val="2535459551"/>
-      </p:ext>
-    </p:extLst>
-  </p:cSld>
-  <p:clrMapOvr>
-    <a:masterClrMapping/>
-  </p:clrMapOvr>
-  <p:timing>
-    <p:tnLst>
-      <p:par>
-        <p:cTn id="1" dur="indefinite" restart="never" nodeType="tmRoot"/>
-      </p:par>
-    </p:tnLst>
-  </p:timing>
-</p:sld>
-</file>
-
-<file path=ppt/slides/slide4.xml><?xml version="1.0" encoding="utf-8"?>
-<p:sld xmlns:a="http://schemas.openxmlformats.org/drawingml/2006/main" xmlns:r="http://schemas.openxmlformats.org/officeDocument/2006/relationships" xmlns:p="http://schemas.openxmlformats.org/presentationml/2006/main">
-  <p:cSld>
-    <p:spTree>
-      <p:nvGrpSpPr>
-        <p:cNvPr id="1" name=""/>
-        <p:cNvGrpSpPr/>
-        <p:nvPr/>
-      </p:nvGrpSpPr>
-      <p:grpSpPr>
-        <a:xfrm>
-          <a:off x="0" y="0"/>
-          <a:ext cx="0" cy="0"/>
-          <a:chOff x="0" y="0"/>
-          <a:chExt cx="0" cy="0"/>
-        </a:xfrm>
-      </p:grpSpPr>
-      <p:sp>
-        <p:nvSpPr>
-          <p:cNvPr id="2" name="タイトル 1"/>
-          <p:cNvSpPr>
-            <a:spLocks noGrp="1"/>
-          </p:cNvSpPr>
-          <p:nvPr>
-            <p:ph type="title"/>
-          </p:nvPr>
-        </p:nvSpPr>
-        <p:spPr/>
-        <p:txBody>
-          <a:bodyPr/>
-          <a:lstStyle/>
-          <a:p>
-            <a:r>
-              <a:rPr kumimoji="1" lang="ja-JP" altLang="en-US" dirty="0" smtClean="0"/>
-              <a:t>研究の意義と背景</a:t>
-            </a:r>
-            <a:endParaRPr kumimoji="1" lang="ja-JP" altLang="en-US" dirty="0"/>
-          </a:p>
-        </p:txBody>
-      </p:sp>
-      <p:sp>
-        <p:nvSpPr>
-          <p:cNvPr id="3" name="コンテンツ プレースホルダー 2"/>
-          <p:cNvSpPr>
-            <a:spLocks noGrp="1"/>
-          </p:cNvSpPr>
-          <p:nvPr>
-            <p:ph idx="1"/>
-          </p:nvPr>
-        </p:nvSpPr>
-        <p:spPr/>
-        <p:txBody>
-          <a:bodyPr/>
-          <a:lstStyle/>
-          <a:p>
-            <a:r>
-              <a:rPr kumimoji="1" lang="ja-JP" altLang="en-US" dirty="0" smtClean="0"/>
-              <a:t>従来の微分方程式を基礎としたモデルでは個体における免疫機構の詳細にまで立ち入ることができなかった。本研究では電子タグを用いることにより、免疫機構をより正確にモデル化することができる。これにより社会全体における伝染病の感染拡大だけではなく、免疫機構の社会的な広がりをも表現することができる。</a:t>
-            </a:r>
-            <a:endParaRPr kumimoji="1" lang="ja-JP" altLang="en-US" dirty="0"/>
-          </a:p>
-        </p:txBody>
-      </p:sp>
-    </p:spTree>
-    <p:extLst>
-      <p:ext uri="{BB962C8B-B14F-4D97-AF65-F5344CB8AC3E}">
-        <p14:creationId xmlns:p14="http://schemas.microsoft.com/office/powerpoint/2010/main" val="1965611721"/>
-      </p:ext>
-    </p:extLst>
-  </p:cSld>
-  <p:clrMapOvr>
-    <a:masterClrMapping/>
-  </p:clrMapOvr>
-</p:sld>
-</file>
-
-<file path=ppt/slides/slide5.xml><?xml version="1.0" encoding="utf-8"?>
-<p:sld xmlns:a="http://schemas.openxmlformats.org/drawingml/2006/main" xmlns:r="http://schemas.openxmlformats.org/officeDocument/2006/relationships" xmlns:p="http://schemas.openxmlformats.org/presentationml/2006/main">
-  <p:cSld>
-    <p:spTree>
-      <p:nvGrpSpPr>
-        <p:cNvPr id="1" name=""/>
-        <p:cNvGrpSpPr/>
-        <p:nvPr/>
-      </p:nvGrpSpPr>
-      <p:grpSpPr>
-        <a:xfrm>
-          <a:off x="0" y="0"/>
-          <a:ext cx="0" cy="0"/>
-          <a:chOff x="0" y="0"/>
-          <a:chExt cx="0" cy="0"/>
-        </a:xfrm>
-      </p:grpSpPr>
-      <p:sp>
-        <p:nvSpPr>
-          <p:cNvPr id="2" name="タイトル 1"/>
-          <p:cNvSpPr>
-            <a:spLocks noGrp="1"/>
-          </p:cNvSpPr>
-          <p:nvPr>
-            <p:ph type="title"/>
-          </p:nvPr>
-        </p:nvSpPr>
-        <p:spPr/>
-        <p:txBody>
-          <a:bodyPr/>
-          <a:lstStyle/>
-          <a:p>
-            <a:r>
-              <a:rPr kumimoji="1" lang="ja-JP" altLang="en-US" dirty="0" smtClean="0"/>
-              <a:t>先行研究紹介</a:t>
-            </a:r>
-            <a:endParaRPr kumimoji="1" lang="ja-JP" altLang="en-US" dirty="0"/>
-          </a:p>
-        </p:txBody>
-      </p:sp>
-      <p:sp>
-        <p:nvSpPr>
-          <p:cNvPr id="3" name="コンテンツ プレースホルダー 2"/>
-          <p:cNvSpPr>
-            <a:spLocks noGrp="1"/>
-          </p:cNvSpPr>
-          <p:nvPr>
-            <p:ph idx="1"/>
-          </p:nvPr>
-        </p:nvSpPr>
-        <p:spPr/>
-        <p:txBody>
-          <a:bodyPr/>
-          <a:lstStyle/>
-          <a:p>
-            <a:endParaRPr kumimoji="1" lang="ja-JP" altLang="en-US"/>
-          </a:p>
-        </p:txBody>
-      </p:sp>
-    </p:spTree>
-    <p:extLst>
-      <p:ext uri="{BB962C8B-B14F-4D97-AF65-F5344CB8AC3E}">
-        <p14:creationId xmlns:p14="http://schemas.microsoft.com/office/powerpoint/2010/main" val="492649640"/>
-      </p:ext>
-    </p:extLst>
-  </p:cSld>
-  <p:clrMapOvr>
-    <a:masterClrMapping/>
-  </p:clrMapOvr>
-</p:sld>
-</file>
-
-<file path=ppt/slides/slide6.xml><?xml version="1.0" encoding="utf-8"?>
-<p:sld xmlns:a="http://schemas.openxmlformats.org/drawingml/2006/main" xmlns:r="http://schemas.openxmlformats.org/officeDocument/2006/relationships" xmlns:p="http://schemas.openxmlformats.org/presentationml/2006/main">
-  <p:cSld>
-    <p:spTree>
-      <p:nvGrpSpPr>
-        <p:cNvPr id="1" name=""/>
-        <p:cNvGrpSpPr/>
-        <p:nvPr/>
-      </p:nvGrpSpPr>
-      <p:grpSpPr>
-        <a:xfrm>
-          <a:off x="0" y="0"/>
-          <a:ext cx="0" cy="0"/>
-          <a:chOff x="0" y="0"/>
-          <a:chExt cx="0" cy="0"/>
-        </a:xfrm>
-      </p:grpSpPr>
-      <p:sp>
-        <p:nvSpPr>
-          <p:cNvPr id="2" name="タイトル 1"/>
-          <p:cNvSpPr>
-            <a:spLocks noGrp="1"/>
-          </p:cNvSpPr>
-          <p:nvPr>
-            <p:ph type="title"/>
-          </p:nvPr>
-        </p:nvSpPr>
-        <p:spPr/>
-        <p:txBody>
-          <a:bodyPr/>
-          <a:lstStyle/>
-          <a:p>
-            <a:r>
-              <a:rPr kumimoji="1" lang="ja-JP" altLang="en-US" dirty="0" smtClean="0"/>
-              <a:t>（（（ＡＢＭとは何か</a:t>
-            </a:r>
-            <a:endParaRPr kumimoji="1" lang="ja-JP" altLang="en-US" dirty="0"/>
-          </a:p>
-        </p:txBody>
-      </p:sp>
-      <p:sp>
-        <p:nvSpPr>
-          <p:cNvPr id="3" name="コンテンツ プレースホルダー 2"/>
-          <p:cNvSpPr>
-            <a:spLocks noGrp="1"/>
-          </p:cNvSpPr>
-          <p:nvPr>
-            <p:ph idx="1"/>
-          </p:nvPr>
-        </p:nvSpPr>
-        <p:spPr/>
-        <p:txBody>
-          <a:bodyPr/>
-          <a:lstStyle/>
-          <a:p>
-            <a:endParaRPr kumimoji="1" lang="ja-JP" altLang="en-US" dirty="0"/>
-          </a:p>
-        </p:txBody>
-      </p:sp>
-    </p:spTree>
-    <p:extLst>
-      <p:ext uri="{BB962C8B-B14F-4D97-AF65-F5344CB8AC3E}">
-        <p14:creationId xmlns:p14="http://schemas.microsoft.com/office/powerpoint/2010/main" val="862563941"/>
-      </p:ext>
-    </p:extLst>
-  </p:cSld>
-  <p:clrMapOvr>
-    <a:masterClrMapping/>
-  </p:clrMapOvr>
-  <p:timing>
-    <p:tnLst>
-      <p:par>
-        <p:cTn id="1" dur="indefinite" restart="never" nodeType="tmRoot"/>
-      </p:par>
-    </p:tnLst>
-  </p:timing>
-</p:sld>
-</file>
-
-<file path=ppt/slides/slide7.xml><?xml version="1.0" encoding="utf-8"?>
-<p:sld xmlns:a="http://schemas.openxmlformats.org/drawingml/2006/main" xmlns:r="http://schemas.openxmlformats.org/officeDocument/2006/relationships" xmlns:p="http://schemas.openxmlformats.org/presentationml/2006/main">
-  <p:cSld>
-    <p:spTree>
-      <p:nvGrpSpPr>
-        <p:cNvPr id="1" name=""/>
-        <p:cNvGrpSpPr/>
-        <p:nvPr/>
-      </p:nvGrpSpPr>
-      <p:grpSpPr>
-        <a:xfrm>
-          <a:off x="0" y="0"/>
-          <a:ext cx="0" cy="0"/>
-          <a:chOff x="0" y="0"/>
-          <a:chExt cx="0" cy="0"/>
-        </a:xfrm>
-      </p:grpSpPr>
-      <p:sp>
-        <p:nvSpPr>
-          <p:cNvPr id="2" name="タイトル 1"/>
-          <p:cNvSpPr>
-            <a:spLocks noGrp="1"/>
-          </p:cNvSpPr>
-          <p:nvPr>
-            <p:ph type="title"/>
-          </p:nvPr>
-        </p:nvSpPr>
-        <p:spPr/>
-        <p:txBody>
-          <a:bodyPr/>
-          <a:lstStyle/>
-          <a:p>
-            <a:r>
-              <a:rPr kumimoji="1" lang="ja-JP" altLang="en-US" dirty="0" smtClean="0"/>
-              <a:t>数理モデルの構築</a:t>
-            </a:r>
-            <a:endParaRPr kumimoji="1" lang="ja-JP" altLang="en-US" dirty="0"/>
-          </a:p>
-        </p:txBody>
-      </p:sp>
-      <p:sp>
-        <p:nvSpPr>
-          <p:cNvPr id="3" name="コンテンツ プレースホルダー 2"/>
-          <p:cNvSpPr>
-            <a:spLocks noGrp="1"/>
-          </p:cNvSpPr>
-          <p:nvPr>
-            <p:ph idx="1"/>
-          </p:nvPr>
-        </p:nvSpPr>
-        <p:spPr/>
-        <p:txBody>
-          <a:bodyPr/>
-          <a:lstStyle/>
-          <a:p>
-            <a:endParaRPr kumimoji="1" lang="ja-JP" altLang="en-US" dirty="0"/>
-          </a:p>
-        </p:txBody>
-      </p:sp>
-    </p:spTree>
-    <p:extLst>
-      <p:ext uri="{BB962C8B-B14F-4D97-AF65-F5344CB8AC3E}">
-        <p14:creationId xmlns:p14="http://schemas.microsoft.com/office/powerpoint/2010/main" val="278479664"/>
       </p:ext>
     </p:extLst>
   </p:cSld>

--- a/卒業研究.pptx
+++ b/卒業研究.pptx
@@ -7,6 +7,9 @@
   <p:notesMasterIdLst>
     <p:notesMasterId r:id="rId20"/>
   </p:notesMasterIdLst>
+  <p:handoutMasterIdLst>
+    <p:handoutMasterId r:id="rId21"/>
+  </p:handoutMasterIdLst>
   <p:sldIdLst>
     <p:sldId id="256" r:id="rId2"/>
     <p:sldId id="258" r:id="rId3"/>
@@ -127,6 +130,171 @@
 </p:presentation>
 </file>
 
+<file path=ppt/handoutMasters/handoutMaster1.xml><?xml version="1.0" encoding="utf-8"?>
+<p:handoutMaster xmlns:a="http://schemas.openxmlformats.org/drawingml/2006/main" xmlns:r="http://schemas.openxmlformats.org/officeDocument/2006/relationships" xmlns:p="http://schemas.openxmlformats.org/presentationml/2006/main">
+  <p:cSld>
+    <p:bg>
+      <p:bgRef idx="1001">
+        <a:schemeClr val="bg1"/>
+      </p:bgRef>
+    </p:bg>
+    <p:spTree>
+      <p:nvGrpSpPr>
+        <p:cNvPr id="1" name=""/>
+        <p:cNvGrpSpPr/>
+        <p:nvPr/>
+      </p:nvGrpSpPr>
+      <p:grpSpPr>
+        <a:xfrm>
+          <a:off x="0" y="0"/>
+          <a:ext cx="0" cy="0"/>
+          <a:chOff x="0" y="0"/>
+          <a:chExt cx="0" cy="0"/>
+        </a:xfrm>
+      </p:grpSpPr>
+      <p:sp>
+        <p:nvSpPr>
+          <p:cNvPr id="2" name="ヘッダー プレースホルダー 1"/>
+          <p:cNvSpPr>
+            <a:spLocks noGrp="1"/>
+          </p:cNvSpPr>
+          <p:nvPr>
+            <p:ph type="hdr" sz="quarter"/>
+          </p:nvPr>
+        </p:nvSpPr>
+        <p:spPr>
+          <a:xfrm>
+            <a:off x="0" y="0"/>
+            <a:ext cx="2971800" cy="457200"/>
+          </a:xfrm>
+          <a:prstGeom prst="rect">
+            <a:avLst/>
+          </a:prstGeom>
+        </p:spPr>
+        <p:txBody>
+          <a:bodyPr vert="horz" lIns="91440" tIns="45720" rIns="91440" bIns="45720" rtlCol="0"/>
+          <a:lstStyle>
+            <a:lvl1pPr algn="l">
+              <a:defRPr sz="1200"/>
+            </a:lvl1pPr>
+          </a:lstStyle>
+          <a:p>
+            <a:endParaRPr kumimoji="1" lang="ja-JP" altLang="en-US"/>
+          </a:p>
+        </p:txBody>
+      </p:sp>
+      <p:sp>
+        <p:nvSpPr>
+          <p:cNvPr id="3" name="日付プレースホルダー 2"/>
+          <p:cNvSpPr>
+            <a:spLocks noGrp="1"/>
+          </p:cNvSpPr>
+          <p:nvPr>
+            <p:ph type="dt" sz="quarter" idx="1"/>
+          </p:nvPr>
+        </p:nvSpPr>
+        <p:spPr>
+          <a:xfrm>
+            <a:off x="3884613" y="0"/>
+            <a:ext cx="2971800" cy="457200"/>
+          </a:xfrm>
+          <a:prstGeom prst="rect">
+            <a:avLst/>
+          </a:prstGeom>
+        </p:spPr>
+        <p:txBody>
+          <a:bodyPr vert="horz" lIns="91440" tIns="45720" rIns="91440" bIns="45720" rtlCol="0"/>
+          <a:lstStyle>
+            <a:lvl1pPr algn="r">
+              <a:defRPr sz="1200"/>
+            </a:lvl1pPr>
+          </a:lstStyle>
+          <a:p>
+            <a:fld id="{74825FEB-C9F8-43E7-A6A0-63C03333387A}" type="datetimeFigureOut">
+              <a:rPr kumimoji="1" lang="ja-JP" altLang="en-US" smtClean="0"/>
+              <a:t>2013/12/28</a:t>
+            </a:fld>
+            <a:endParaRPr kumimoji="1" lang="ja-JP" altLang="en-US"/>
+          </a:p>
+        </p:txBody>
+      </p:sp>
+      <p:sp>
+        <p:nvSpPr>
+          <p:cNvPr id="4" name="フッター プレースホルダー 3"/>
+          <p:cNvSpPr>
+            <a:spLocks noGrp="1"/>
+          </p:cNvSpPr>
+          <p:nvPr>
+            <p:ph type="ftr" sz="quarter" idx="2"/>
+          </p:nvPr>
+        </p:nvSpPr>
+        <p:spPr>
+          <a:xfrm>
+            <a:off x="0" y="8685213"/>
+            <a:ext cx="2971800" cy="457200"/>
+          </a:xfrm>
+          <a:prstGeom prst="rect">
+            <a:avLst/>
+          </a:prstGeom>
+        </p:spPr>
+        <p:txBody>
+          <a:bodyPr vert="horz" lIns="91440" tIns="45720" rIns="91440" bIns="45720" rtlCol="0" anchor="b"/>
+          <a:lstStyle>
+            <a:lvl1pPr algn="l">
+              <a:defRPr sz="1200"/>
+            </a:lvl1pPr>
+          </a:lstStyle>
+          <a:p>
+            <a:endParaRPr kumimoji="1" lang="ja-JP" altLang="en-US"/>
+          </a:p>
+        </p:txBody>
+      </p:sp>
+      <p:sp>
+        <p:nvSpPr>
+          <p:cNvPr id="5" name="スライド番号プレースホルダー 4"/>
+          <p:cNvSpPr>
+            <a:spLocks noGrp="1"/>
+          </p:cNvSpPr>
+          <p:nvPr>
+            <p:ph type="sldNum" sz="quarter" idx="3"/>
+          </p:nvPr>
+        </p:nvSpPr>
+        <p:spPr>
+          <a:xfrm>
+            <a:off x="3884613" y="8685213"/>
+            <a:ext cx="2971800" cy="457200"/>
+          </a:xfrm>
+          <a:prstGeom prst="rect">
+            <a:avLst/>
+          </a:prstGeom>
+        </p:spPr>
+        <p:txBody>
+          <a:bodyPr vert="horz" lIns="91440" tIns="45720" rIns="91440" bIns="45720" rtlCol="0" anchor="b"/>
+          <a:lstStyle>
+            <a:lvl1pPr algn="r">
+              <a:defRPr sz="1200"/>
+            </a:lvl1pPr>
+          </a:lstStyle>
+          <a:p>
+            <a:fld id="{2AA58917-4067-485A-BC36-44226BD07651}" type="slidenum">
+              <a:rPr kumimoji="1" lang="ja-JP" altLang="en-US" smtClean="0"/>
+              <a:t>‹#›</a:t>
+            </a:fld>
+            <a:endParaRPr kumimoji="1" lang="ja-JP" altLang="en-US"/>
+          </a:p>
+        </p:txBody>
+      </p:sp>
+    </p:spTree>
+    <p:extLst>
+      <p:ext uri="{BB962C8B-B14F-4D97-AF65-F5344CB8AC3E}">
+        <p14:creationId xmlns:p14="http://schemas.microsoft.com/office/powerpoint/2010/main" val="2384762030"/>
+      </p:ext>
+    </p:extLst>
+  </p:cSld>
+  <p:clrMap bg1="lt1" tx1="dk1" bg2="lt2" tx2="dk2" accent1="accent1" accent2="accent2" accent3="accent3" accent4="accent4" accent5="accent5" accent6="accent6" hlink="hlink" folHlink="folHlink"/>
+</p:handoutMaster>
+</file>
+
 <file path=ppt/notesMasters/notesMaster1.xml><?xml version="1.0" encoding="utf-8"?>
 <p:notesMaster xmlns:a="http://schemas.openxmlformats.org/drawingml/2006/main" xmlns:r="http://schemas.openxmlformats.org/officeDocument/2006/relationships" xmlns:p="http://schemas.openxmlformats.org/presentationml/2006/main">
   <p:cSld>
@@ -209,7 +377,7 @@
           <a:p>
             <a:fld id="{7DF372ED-9A20-47C3-A076-E002DD6BB04D}" type="datetimeFigureOut">
               <a:rPr kumimoji="1" lang="ja-JP" altLang="en-US" smtClean="0"/>
-              <a:t>2013/12/17</a:t>
+              <a:t>2013/12/28</a:t>
             </a:fld>
             <a:endParaRPr kumimoji="1" lang="ja-JP" altLang="en-US"/>
           </a:p>
@@ -593,6 +761,1434 @@
 </p:notes>
 </file>
 
+<file path=ppt/notesSlides/notesSlide10.xml><?xml version="1.0" encoding="utf-8"?>
+<p:notes xmlns:a="http://schemas.openxmlformats.org/drawingml/2006/main" xmlns:r="http://schemas.openxmlformats.org/officeDocument/2006/relationships" xmlns:p="http://schemas.openxmlformats.org/presentationml/2006/main">
+  <p:cSld>
+    <p:spTree>
+      <p:nvGrpSpPr>
+        <p:cNvPr id="1" name=""/>
+        <p:cNvGrpSpPr/>
+        <p:nvPr/>
+      </p:nvGrpSpPr>
+      <p:grpSpPr>
+        <a:xfrm>
+          <a:off x="0" y="0"/>
+          <a:ext cx="0" cy="0"/>
+          <a:chOff x="0" y="0"/>
+          <a:chExt cx="0" cy="0"/>
+        </a:xfrm>
+      </p:grpSpPr>
+      <p:sp>
+        <p:nvSpPr>
+          <p:cNvPr id="2" name="スライド イメージ プレースホルダー 1"/>
+          <p:cNvSpPr>
+            <a:spLocks noGrp="1" noRot="1" noChangeAspect="1"/>
+          </p:cNvSpPr>
+          <p:nvPr>
+            <p:ph type="sldImg"/>
+          </p:nvPr>
+        </p:nvSpPr>
+        <p:spPr/>
+      </p:sp>
+      <p:sp>
+        <p:nvSpPr>
+          <p:cNvPr id="3" name="ノート プレースホルダー 2"/>
+          <p:cNvSpPr>
+            <a:spLocks noGrp="1"/>
+          </p:cNvSpPr>
+          <p:nvPr>
+            <p:ph type="body" idx="1"/>
+          </p:nvPr>
+        </p:nvSpPr>
+        <p:spPr/>
+        <p:txBody>
+          <a:bodyPr/>
+          <a:lstStyle/>
+          <a:p>
+            <a:endParaRPr kumimoji="1" lang="ja-JP" altLang="en-US"/>
+          </a:p>
+        </p:txBody>
+      </p:sp>
+      <p:sp>
+        <p:nvSpPr>
+          <p:cNvPr id="4" name="スライド番号プレースホルダー 3"/>
+          <p:cNvSpPr>
+            <a:spLocks noGrp="1"/>
+          </p:cNvSpPr>
+          <p:nvPr>
+            <p:ph type="sldNum" sz="quarter" idx="10"/>
+          </p:nvPr>
+        </p:nvSpPr>
+        <p:spPr/>
+        <p:txBody>
+          <a:bodyPr/>
+          <a:lstStyle/>
+          <a:p>
+            <a:fld id="{FEFB3154-A281-48F2-8DC9-C99E29F1ECF4}" type="slidenum">
+              <a:rPr kumimoji="1" lang="ja-JP" altLang="en-US" smtClean="0"/>
+              <a:t>10</a:t>
+            </a:fld>
+            <a:endParaRPr kumimoji="1" lang="ja-JP" altLang="en-US"/>
+          </a:p>
+        </p:txBody>
+      </p:sp>
+    </p:spTree>
+    <p:extLst>
+      <p:ext uri="{BB962C8B-B14F-4D97-AF65-F5344CB8AC3E}">
+        <p14:creationId xmlns:p14="http://schemas.microsoft.com/office/powerpoint/2010/main" val="88015040"/>
+      </p:ext>
+    </p:extLst>
+  </p:cSld>
+  <p:clrMapOvr>
+    <a:masterClrMapping/>
+  </p:clrMapOvr>
+</p:notes>
+</file>
+
+<file path=ppt/notesSlides/notesSlide11.xml><?xml version="1.0" encoding="utf-8"?>
+<p:notes xmlns:a="http://schemas.openxmlformats.org/drawingml/2006/main" xmlns:r="http://schemas.openxmlformats.org/officeDocument/2006/relationships" xmlns:p="http://schemas.openxmlformats.org/presentationml/2006/main">
+  <p:cSld>
+    <p:spTree>
+      <p:nvGrpSpPr>
+        <p:cNvPr id="1" name=""/>
+        <p:cNvGrpSpPr/>
+        <p:nvPr/>
+      </p:nvGrpSpPr>
+      <p:grpSpPr>
+        <a:xfrm>
+          <a:off x="0" y="0"/>
+          <a:ext cx="0" cy="0"/>
+          <a:chOff x="0" y="0"/>
+          <a:chExt cx="0" cy="0"/>
+        </a:xfrm>
+      </p:grpSpPr>
+      <p:sp>
+        <p:nvSpPr>
+          <p:cNvPr id="2" name="スライド イメージ プレースホルダー 1"/>
+          <p:cNvSpPr>
+            <a:spLocks noGrp="1" noRot="1" noChangeAspect="1"/>
+          </p:cNvSpPr>
+          <p:nvPr>
+            <p:ph type="sldImg"/>
+          </p:nvPr>
+        </p:nvSpPr>
+        <p:spPr/>
+      </p:sp>
+      <p:sp>
+        <p:nvSpPr>
+          <p:cNvPr id="3" name="ノート プレースホルダー 2"/>
+          <p:cNvSpPr>
+            <a:spLocks noGrp="1"/>
+          </p:cNvSpPr>
+          <p:nvPr>
+            <p:ph type="body" idx="1"/>
+          </p:nvPr>
+        </p:nvSpPr>
+        <p:spPr/>
+        <p:txBody>
+          <a:bodyPr/>
+          <a:lstStyle/>
+          <a:p>
+            <a:endParaRPr kumimoji="1" lang="ja-JP" altLang="en-US"/>
+          </a:p>
+        </p:txBody>
+      </p:sp>
+      <p:sp>
+        <p:nvSpPr>
+          <p:cNvPr id="4" name="スライド番号プレースホルダー 3"/>
+          <p:cNvSpPr>
+            <a:spLocks noGrp="1"/>
+          </p:cNvSpPr>
+          <p:nvPr>
+            <p:ph type="sldNum" sz="quarter" idx="10"/>
+          </p:nvPr>
+        </p:nvSpPr>
+        <p:spPr/>
+        <p:txBody>
+          <a:bodyPr/>
+          <a:lstStyle/>
+          <a:p>
+            <a:fld id="{FEFB3154-A281-48F2-8DC9-C99E29F1ECF4}" type="slidenum">
+              <a:rPr kumimoji="1" lang="ja-JP" altLang="en-US" smtClean="0"/>
+              <a:t>11</a:t>
+            </a:fld>
+            <a:endParaRPr kumimoji="1" lang="ja-JP" altLang="en-US"/>
+          </a:p>
+        </p:txBody>
+      </p:sp>
+    </p:spTree>
+    <p:extLst>
+      <p:ext uri="{BB962C8B-B14F-4D97-AF65-F5344CB8AC3E}">
+        <p14:creationId xmlns:p14="http://schemas.microsoft.com/office/powerpoint/2010/main" val="3782568936"/>
+      </p:ext>
+    </p:extLst>
+  </p:cSld>
+  <p:clrMapOvr>
+    <a:masterClrMapping/>
+  </p:clrMapOvr>
+</p:notes>
+</file>
+
+<file path=ppt/notesSlides/notesSlide12.xml><?xml version="1.0" encoding="utf-8"?>
+<p:notes xmlns:a="http://schemas.openxmlformats.org/drawingml/2006/main" xmlns:r="http://schemas.openxmlformats.org/officeDocument/2006/relationships" xmlns:p="http://schemas.openxmlformats.org/presentationml/2006/main">
+  <p:cSld>
+    <p:spTree>
+      <p:nvGrpSpPr>
+        <p:cNvPr id="1" name=""/>
+        <p:cNvGrpSpPr/>
+        <p:nvPr/>
+      </p:nvGrpSpPr>
+      <p:grpSpPr>
+        <a:xfrm>
+          <a:off x="0" y="0"/>
+          <a:ext cx="0" cy="0"/>
+          <a:chOff x="0" y="0"/>
+          <a:chExt cx="0" cy="0"/>
+        </a:xfrm>
+      </p:grpSpPr>
+      <p:sp>
+        <p:nvSpPr>
+          <p:cNvPr id="2" name="スライド イメージ プレースホルダー 1"/>
+          <p:cNvSpPr>
+            <a:spLocks noGrp="1" noRot="1" noChangeAspect="1"/>
+          </p:cNvSpPr>
+          <p:nvPr>
+            <p:ph type="sldImg"/>
+          </p:nvPr>
+        </p:nvSpPr>
+        <p:spPr/>
+      </p:sp>
+      <p:sp>
+        <p:nvSpPr>
+          <p:cNvPr id="3" name="ノート プレースホルダー 2"/>
+          <p:cNvSpPr>
+            <a:spLocks noGrp="1"/>
+          </p:cNvSpPr>
+          <p:nvPr>
+            <p:ph type="body" idx="1"/>
+          </p:nvPr>
+        </p:nvSpPr>
+        <p:spPr/>
+        <p:txBody>
+          <a:bodyPr/>
+          <a:lstStyle/>
+          <a:p>
+            <a:endParaRPr kumimoji="1" lang="ja-JP" altLang="en-US"/>
+          </a:p>
+        </p:txBody>
+      </p:sp>
+      <p:sp>
+        <p:nvSpPr>
+          <p:cNvPr id="4" name="スライド番号プレースホルダー 3"/>
+          <p:cNvSpPr>
+            <a:spLocks noGrp="1"/>
+          </p:cNvSpPr>
+          <p:nvPr>
+            <p:ph type="sldNum" sz="quarter" idx="10"/>
+          </p:nvPr>
+        </p:nvSpPr>
+        <p:spPr/>
+        <p:txBody>
+          <a:bodyPr/>
+          <a:lstStyle/>
+          <a:p>
+            <a:fld id="{FEFB3154-A281-48F2-8DC9-C99E29F1ECF4}" type="slidenum">
+              <a:rPr kumimoji="1" lang="ja-JP" altLang="en-US" smtClean="0"/>
+              <a:t>12</a:t>
+            </a:fld>
+            <a:endParaRPr kumimoji="1" lang="ja-JP" altLang="en-US"/>
+          </a:p>
+        </p:txBody>
+      </p:sp>
+    </p:spTree>
+    <p:extLst>
+      <p:ext uri="{BB962C8B-B14F-4D97-AF65-F5344CB8AC3E}">
+        <p14:creationId xmlns:p14="http://schemas.microsoft.com/office/powerpoint/2010/main" val="2965410416"/>
+      </p:ext>
+    </p:extLst>
+  </p:cSld>
+  <p:clrMapOvr>
+    <a:masterClrMapping/>
+  </p:clrMapOvr>
+</p:notes>
+</file>
+
+<file path=ppt/notesSlides/notesSlide13.xml><?xml version="1.0" encoding="utf-8"?>
+<p:notes xmlns:a="http://schemas.openxmlformats.org/drawingml/2006/main" xmlns:r="http://schemas.openxmlformats.org/officeDocument/2006/relationships" xmlns:p="http://schemas.openxmlformats.org/presentationml/2006/main">
+  <p:cSld>
+    <p:spTree>
+      <p:nvGrpSpPr>
+        <p:cNvPr id="1" name=""/>
+        <p:cNvGrpSpPr/>
+        <p:nvPr/>
+      </p:nvGrpSpPr>
+      <p:grpSpPr>
+        <a:xfrm>
+          <a:off x="0" y="0"/>
+          <a:ext cx="0" cy="0"/>
+          <a:chOff x="0" y="0"/>
+          <a:chExt cx="0" cy="0"/>
+        </a:xfrm>
+      </p:grpSpPr>
+      <p:sp>
+        <p:nvSpPr>
+          <p:cNvPr id="2" name="スライド イメージ プレースホルダー 1"/>
+          <p:cNvSpPr>
+            <a:spLocks noGrp="1" noRot="1" noChangeAspect="1"/>
+          </p:cNvSpPr>
+          <p:nvPr>
+            <p:ph type="sldImg"/>
+          </p:nvPr>
+        </p:nvSpPr>
+        <p:spPr/>
+      </p:sp>
+      <p:sp>
+        <p:nvSpPr>
+          <p:cNvPr id="3" name="ノート プレースホルダー 2"/>
+          <p:cNvSpPr>
+            <a:spLocks noGrp="1"/>
+          </p:cNvSpPr>
+          <p:nvPr>
+            <p:ph type="body" idx="1"/>
+          </p:nvPr>
+        </p:nvSpPr>
+        <p:spPr/>
+        <p:txBody>
+          <a:bodyPr/>
+          <a:lstStyle/>
+          <a:p>
+            <a:endParaRPr kumimoji="1" lang="ja-JP" altLang="en-US"/>
+          </a:p>
+        </p:txBody>
+      </p:sp>
+      <p:sp>
+        <p:nvSpPr>
+          <p:cNvPr id="4" name="スライド番号プレースホルダー 3"/>
+          <p:cNvSpPr>
+            <a:spLocks noGrp="1"/>
+          </p:cNvSpPr>
+          <p:nvPr>
+            <p:ph type="sldNum" sz="quarter" idx="10"/>
+          </p:nvPr>
+        </p:nvSpPr>
+        <p:spPr/>
+        <p:txBody>
+          <a:bodyPr/>
+          <a:lstStyle/>
+          <a:p>
+            <a:fld id="{FEFB3154-A281-48F2-8DC9-C99E29F1ECF4}" type="slidenum">
+              <a:rPr kumimoji="1" lang="ja-JP" altLang="en-US" smtClean="0"/>
+              <a:t>13</a:t>
+            </a:fld>
+            <a:endParaRPr kumimoji="1" lang="ja-JP" altLang="en-US"/>
+          </a:p>
+        </p:txBody>
+      </p:sp>
+    </p:spTree>
+    <p:extLst>
+      <p:ext uri="{BB962C8B-B14F-4D97-AF65-F5344CB8AC3E}">
+        <p14:creationId xmlns:p14="http://schemas.microsoft.com/office/powerpoint/2010/main" val="2604688079"/>
+      </p:ext>
+    </p:extLst>
+  </p:cSld>
+  <p:clrMapOvr>
+    <a:masterClrMapping/>
+  </p:clrMapOvr>
+</p:notes>
+</file>
+
+<file path=ppt/notesSlides/notesSlide14.xml><?xml version="1.0" encoding="utf-8"?>
+<p:notes xmlns:a="http://schemas.openxmlformats.org/drawingml/2006/main" xmlns:r="http://schemas.openxmlformats.org/officeDocument/2006/relationships" xmlns:p="http://schemas.openxmlformats.org/presentationml/2006/main">
+  <p:cSld>
+    <p:spTree>
+      <p:nvGrpSpPr>
+        <p:cNvPr id="1" name=""/>
+        <p:cNvGrpSpPr/>
+        <p:nvPr/>
+      </p:nvGrpSpPr>
+      <p:grpSpPr>
+        <a:xfrm>
+          <a:off x="0" y="0"/>
+          <a:ext cx="0" cy="0"/>
+          <a:chOff x="0" y="0"/>
+          <a:chExt cx="0" cy="0"/>
+        </a:xfrm>
+      </p:grpSpPr>
+      <p:sp>
+        <p:nvSpPr>
+          <p:cNvPr id="2" name="スライド イメージ プレースホルダー 1"/>
+          <p:cNvSpPr>
+            <a:spLocks noGrp="1" noRot="1" noChangeAspect="1"/>
+          </p:cNvSpPr>
+          <p:nvPr>
+            <p:ph type="sldImg"/>
+          </p:nvPr>
+        </p:nvSpPr>
+        <p:spPr/>
+      </p:sp>
+      <p:sp>
+        <p:nvSpPr>
+          <p:cNvPr id="3" name="ノート プレースホルダー 2"/>
+          <p:cNvSpPr>
+            <a:spLocks noGrp="1"/>
+          </p:cNvSpPr>
+          <p:nvPr>
+            <p:ph type="body" idx="1"/>
+          </p:nvPr>
+        </p:nvSpPr>
+        <p:spPr/>
+        <p:txBody>
+          <a:bodyPr/>
+          <a:lstStyle/>
+          <a:p>
+            <a:endParaRPr kumimoji="1" lang="ja-JP" altLang="en-US"/>
+          </a:p>
+        </p:txBody>
+      </p:sp>
+      <p:sp>
+        <p:nvSpPr>
+          <p:cNvPr id="4" name="スライド番号プレースホルダー 3"/>
+          <p:cNvSpPr>
+            <a:spLocks noGrp="1"/>
+          </p:cNvSpPr>
+          <p:nvPr>
+            <p:ph type="sldNum" sz="quarter" idx="10"/>
+          </p:nvPr>
+        </p:nvSpPr>
+        <p:spPr/>
+        <p:txBody>
+          <a:bodyPr/>
+          <a:lstStyle/>
+          <a:p>
+            <a:fld id="{FEFB3154-A281-48F2-8DC9-C99E29F1ECF4}" type="slidenum">
+              <a:rPr kumimoji="1" lang="ja-JP" altLang="en-US" smtClean="0"/>
+              <a:t>14</a:t>
+            </a:fld>
+            <a:endParaRPr kumimoji="1" lang="ja-JP" altLang="en-US"/>
+          </a:p>
+        </p:txBody>
+      </p:sp>
+    </p:spTree>
+    <p:extLst>
+      <p:ext uri="{BB962C8B-B14F-4D97-AF65-F5344CB8AC3E}">
+        <p14:creationId xmlns:p14="http://schemas.microsoft.com/office/powerpoint/2010/main" val="2781046782"/>
+      </p:ext>
+    </p:extLst>
+  </p:cSld>
+  <p:clrMapOvr>
+    <a:masterClrMapping/>
+  </p:clrMapOvr>
+</p:notes>
+</file>
+
+<file path=ppt/notesSlides/notesSlide15.xml><?xml version="1.0" encoding="utf-8"?>
+<p:notes xmlns:a="http://schemas.openxmlformats.org/drawingml/2006/main" xmlns:r="http://schemas.openxmlformats.org/officeDocument/2006/relationships" xmlns:p="http://schemas.openxmlformats.org/presentationml/2006/main">
+  <p:cSld>
+    <p:spTree>
+      <p:nvGrpSpPr>
+        <p:cNvPr id="1" name=""/>
+        <p:cNvGrpSpPr/>
+        <p:nvPr/>
+      </p:nvGrpSpPr>
+      <p:grpSpPr>
+        <a:xfrm>
+          <a:off x="0" y="0"/>
+          <a:ext cx="0" cy="0"/>
+          <a:chOff x="0" y="0"/>
+          <a:chExt cx="0" cy="0"/>
+        </a:xfrm>
+      </p:grpSpPr>
+      <p:sp>
+        <p:nvSpPr>
+          <p:cNvPr id="2" name="スライド イメージ プレースホルダー 1"/>
+          <p:cNvSpPr>
+            <a:spLocks noGrp="1" noRot="1" noChangeAspect="1"/>
+          </p:cNvSpPr>
+          <p:nvPr>
+            <p:ph type="sldImg"/>
+          </p:nvPr>
+        </p:nvSpPr>
+        <p:spPr/>
+      </p:sp>
+      <p:sp>
+        <p:nvSpPr>
+          <p:cNvPr id="3" name="ノート プレースホルダー 2"/>
+          <p:cNvSpPr>
+            <a:spLocks noGrp="1"/>
+          </p:cNvSpPr>
+          <p:nvPr>
+            <p:ph type="body" idx="1"/>
+          </p:nvPr>
+        </p:nvSpPr>
+        <p:spPr/>
+        <p:txBody>
+          <a:bodyPr/>
+          <a:lstStyle/>
+          <a:p>
+            <a:endParaRPr kumimoji="1" lang="ja-JP" altLang="en-US"/>
+          </a:p>
+        </p:txBody>
+      </p:sp>
+      <p:sp>
+        <p:nvSpPr>
+          <p:cNvPr id="4" name="スライド番号プレースホルダー 3"/>
+          <p:cNvSpPr>
+            <a:spLocks noGrp="1"/>
+          </p:cNvSpPr>
+          <p:nvPr>
+            <p:ph type="sldNum" sz="quarter" idx="10"/>
+          </p:nvPr>
+        </p:nvSpPr>
+        <p:spPr/>
+        <p:txBody>
+          <a:bodyPr/>
+          <a:lstStyle/>
+          <a:p>
+            <a:fld id="{FEFB3154-A281-48F2-8DC9-C99E29F1ECF4}" type="slidenum">
+              <a:rPr kumimoji="1" lang="ja-JP" altLang="en-US" smtClean="0"/>
+              <a:t>15</a:t>
+            </a:fld>
+            <a:endParaRPr kumimoji="1" lang="ja-JP" altLang="en-US"/>
+          </a:p>
+        </p:txBody>
+      </p:sp>
+    </p:spTree>
+    <p:extLst>
+      <p:ext uri="{BB962C8B-B14F-4D97-AF65-F5344CB8AC3E}">
+        <p14:creationId xmlns:p14="http://schemas.microsoft.com/office/powerpoint/2010/main" val="857273442"/>
+      </p:ext>
+    </p:extLst>
+  </p:cSld>
+  <p:clrMapOvr>
+    <a:masterClrMapping/>
+  </p:clrMapOvr>
+</p:notes>
+</file>
+
+<file path=ppt/notesSlides/notesSlide16.xml><?xml version="1.0" encoding="utf-8"?>
+<p:notes xmlns:a="http://schemas.openxmlformats.org/drawingml/2006/main" xmlns:r="http://schemas.openxmlformats.org/officeDocument/2006/relationships" xmlns:p="http://schemas.openxmlformats.org/presentationml/2006/main">
+  <p:cSld>
+    <p:spTree>
+      <p:nvGrpSpPr>
+        <p:cNvPr id="1" name=""/>
+        <p:cNvGrpSpPr/>
+        <p:nvPr/>
+      </p:nvGrpSpPr>
+      <p:grpSpPr>
+        <a:xfrm>
+          <a:off x="0" y="0"/>
+          <a:ext cx="0" cy="0"/>
+          <a:chOff x="0" y="0"/>
+          <a:chExt cx="0" cy="0"/>
+        </a:xfrm>
+      </p:grpSpPr>
+      <p:sp>
+        <p:nvSpPr>
+          <p:cNvPr id="2" name="スライド イメージ プレースホルダー 1"/>
+          <p:cNvSpPr>
+            <a:spLocks noGrp="1" noRot="1" noChangeAspect="1"/>
+          </p:cNvSpPr>
+          <p:nvPr>
+            <p:ph type="sldImg"/>
+          </p:nvPr>
+        </p:nvSpPr>
+        <p:spPr/>
+      </p:sp>
+      <p:sp>
+        <p:nvSpPr>
+          <p:cNvPr id="3" name="ノート プレースホルダー 2"/>
+          <p:cNvSpPr>
+            <a:spLocks noGrp="1"/>
+          </p:cNvSpPr>
+          <p:nvPr>
+            <p:ph type="body" idx="1"/>
+          </p:nvPr>
+        </p:nvSpPr>
+        <p:spPr/>
+        <p:txBody>
+          <a:bodyPr/>
+          <a:lstStyle/>
+          <a:p>
+            <a:endParaRPr kumimoji="1" lang="ja-JP" altLang="en-US"/>
+          </a:p>
+        </p:txBody>
+      </p:sp>
+      <p:sp>
+        <p:nvSpPr>
+          <p:cNvPr id="4" name="スライド番号プレースホルダー 3"/>
+          <p:cNvSpPr>
+            <a:spLocks noGrp="1"/>
+          </p:cNvSpPr>
+          <p:nvPr>
+            <p:ph type="sldNum" sz="quarter" idx="10"/>
+          </p:nvPr>
+        </p:nvSpPr>
+        <p:spPr/>
+        <p:txBody>
+          <a:bodyPr/>
+          <a:lstStyle/>
+          <a:p>
+            <a:fld id="{FEFB3154-A281-48F2-8DC9-C99E29F1ECF4}" type="slidenum">
+              <a:rPr kumimoji="1" lang="ja-JP" altLang="en-US" smtClean="0"/>
+              <a:t>16</a:t>
+            </a:fld>
+            <a:endParaRPr kumimoji="1" lang="ja-JP" altLang="en-US"/>
+          </a:p>
+        </p:txBody>
+      </p:sp>
+    </p:spTree>
+    <p:extLst>
+      <p:ext uri="{BB962C8B-B14F-4D97-AF65-F5344CB8AC3E}">
+        <p14:creationId xmlns:p14="http://schemas.microsoft.com/office/powerpoint/2010/main" val="966408925"/>
+      </p:ext>
+    </p:extLst>
+  </p:cSld>
+  <p:clrMapOvr>
+    <a:masterClrMapping/>
+  </p:clrMapOvr>
+</p:notes>
+</file>
+
+<file path=ppt/notesSlides/notesSlide17.xml><?xml version="1.0" encoding="utf-8"?>
+<p:notes xmlns:a="http://schemas.openxmlformats.org/drawingml/2006/main" xmlns:r="http://schemas.openxmlformats.org/officeDocument/2006/relationships" xmlns:p="http://schemas.openxmlformats.org/presentationml/2006/main">
+  <p:cSld>
+    <p:spTree>
+      <p:nvGrpSpPr>
+        <p:cNvPr id="1" name=""/>
+        <p:cNvGrpSpPr/>
+        <p:nvPr/>
+      </p:nvGrpSpPr>
+      <p:grpSpPr>
+        <a:xfrm>
+          <a:off x="0" y="0"/>
+          <a:ext cx="0" cy="0"/>
+          <a:chOff x="0" y="0"/>
+          <a:chExt cx="0" cy="0"/>
+        </a:xfrm>
+      </p:grpSpPr>
+      <p:sp>
+        <p:nvSpPr>
+          <p:cNvPr id="2" name="スライド イメージ プレースホルダー 1"/>
+          <p:cNvSpPr>
+            <a:spLocks noGrp="1" noRot="1" noChangeAspect="1"/>
+          </p:cNvSpPr>
+          <p:nvPr>
+            <p:ph type="sldImg"/>
+          </p:nvPr>
+        </p:nvSpPr>
+        <p:spPr/>
+      </p:sp>
+      <p:sp>
+        <p:nvSpPr>
+          <p:cNvPr id="3" name="ノート プレースホルダー 2"/>
+          <p:cNvSpPr>
+            <a:spLocks noGrp="1"/>
+          </p:cNvSpPr>
+          <p:nvPr>
+            <p:ph type="body" idx="1"/>
+          </p:nvPr>
+        </p:nvSpPr>
+        <p:spPr/>
+        <p:txBody>
+          <a:bodyPr/>
+          <a:lstStyle/>
+          <a:p>
+            <a:endParaRPr kumimoji="1" lang="ja-JP" altLang="en-US"/>
+          </a:p>
+        </p:txBody>
+      </p:sp>
+      <p:sp>
+        <p:nvSpPr>
+          <p:cNvPr id="4" name="スライド番号プレースホルダー 3"/>
+          <p:cNvSpPr>
+            <a:spLocks noGrp="1"/>
+          </p:cNvSpPr>
+          <p:nvPr>
+            <p:ph type="sldNum" sz="quarter" idx="10"/>
+          </p:nvPr>
+        </p:nvSpPr>
+        <p:spPr/>
+        <p:txBody>
+          <a:bodyPr/>
+          <a:lstStyle/>
+          <a:p>
+            <a:fld id="{FEFB3154-A281-48F2-8DC9-C99E29F1ECF4}" type="slidenum">
+              <a:rPr kumimoji="1" lang="ja-JP" altLang="en-US" smtClean="0"/>
+              <a:t>17</a:t>
+            </a:fld>
+            <a:endParaRPr kumimoji="1" lang="ja-JP" altLang="en-US"/>
+          </a:p>
+        </p:txBody>
+      </p:sp>
+    </p:spTree>
+    <p:extLst>
+      <p:ext uri="{BB962C8B-B14F-4D97-AF65-F5344CB8AC3E}">
+        <p14:creationId xmlns:p14="http://schemas.microsoft.com/office/powerpoint/2010/main" val="689900653"/>
+      </p:ext>
+    </p:extLst>
+  </p:cSld>
+  <p:clrMapOvr>
+    <a:masterClrMapping/>
+  </p:clrMapOvr>
+</p:notes>
+</file>
+
+<file path=ppt/notesSlides/notesSlide18.xml><?xml version="1.0" encoding="utf-8"?>
+<p:notes xmlns:a="http://schemas.openxmlformats.org/drawingml/2006/main" xmlns:r="http://schemas.openxmlformats.org/officeDocument/2006/relationships" xmlns:p="http://schemas.openxmlformats.org/presentationml/2006/main">
+  <p:cSld>
+    <p:spTree>
+      <p:nvGrpSpPr>
+        <p:cNvPr id="1" name=""/>
+        <p:cNvGrpSpPr/>
+        <p:nvPr/>
+      </p:nvGrpSpPr>
+      <p:grpSpPr>
+        <a:xfrm>
+          <a:off x="0" y="0"/>
+          <a:ext cx="0" cy="0"/>
+          <a:chOff x="0" y="0"/>
+          <a:chExt cx="0" cy="0"/>
+        </a:xfrm>
+      </p:grpSpPr>
+      <p:sp>
+        <p:nvSpPr>
+          <p:cNvPr id="2" name="スライド イメージ プレースホルダー 1"/>
+          <p:cNvSpPr>
+            <a:spLocks noGrp="1" noRot="1" noChangeAspect="1"/>
+          </p:cNvSpPr>
+          <p:nvPr>
+            <p:ph type="sldImg"/>
+          </p:nvPr>
+        </p:nvSpPr>
+        <p:spPr/>
+      </p:sp>
+      <p:sp>
+        <p:nvSpPr>
+          <p:cNvPr id="3" name="ノート プレースホルダー 2"/>
+          <p:cNvSpPr>
+            <a:spLocks noGrp="1"/>
+          </p:cNvSpPr>
+          <p:nvPr>
+            <p:ph type="body" idx="1"/>
+          </p:nvPr>
+        </p:nvSpPr>
+        <p:spPr/>
+        <p:txBody>
+          <a:bodyPr/>
+          <a:lstStyle/>
+          <a:p>
+            <a:endParaRPr kumimoji="1" lang="ja-JP" altLang="en-US"/>
+          </a:p>
+        </p:txBody>
+      </p:sp>
+      <p:sp>
+        <p:nvSpPr>
+          <p:cNvPr id="4" name="スライド番号プレースホルダー 3"/>
+          <p:cNvSpPr>
+            <a:spLocks noGrp="1"/>
+          </p:cNvSpPr>
+          <p:nvPr>
+            <p:ph type="sldNum" sz="quarter" idx="10"/>
+          </p:nvPr>
+        </p:nvSpPr>
+        <p:spPr/>
+        <p:txBody>
+          <a:bodyPr/>
+          <a:lstStyle/>
+          <a:p>
+            <a:fld id="{FEFB3154-A281-48F2-8DC9-C99E29F1ECF4}" type="slidenum">
+              <a:rPr kumimoji="1" lang="ja-JP" altLang="en-US" smtClean="0"/>
+              <a:t>18</a:t>
+            </a:fld>
+            <a:endParaRPr kumimoji="1" lang="ja-JP" altLang="en-US"/>
+          </a:p>
+        </p:txBody>
+      </p:sp>
+    </p:spTree>
+    <p:extLst>
+      <p:ext uri="{BB962C8B-B14F-4D97-AF65-F5344CB8AC3E}">
+        <p14:creationId xmlns:p14="http://schemas.microsoft.com/office/powerpoint/2010/main" val="704800061"/>
+      </p:ext>
+    </p:extLst>
+  </p:cSld>
+  <p:clrMapOvr>
+    <a:masterClrMapping/>
+  </p:clrMapOvr>
+</p:notes>
+</file>
+
+<file path=ppt/notesSlides/notesSlide2.xml><?xml version="1.0" encoding="utf-8"?>
+<p:notes xmlns:a="http://schemas.openxmlformats.org/drawingml/2006/main" xmlns:r="http://schemas.openxmlformats.org/officeDocument/2006/relationships" xmlns:p="http://schemas.openxmlformats.org/presentationml/2006/main">
+  <p:cSld>
+    <p:spTree>
+      <p:nvGrpSpPr>
+        <p:cNvPr id="1" name=""/>
+        <p:cNvGrpSpPr/>
+        <p:nvPr/>
+      </p:nvGrpSpPr>
+      <p:grpSpPr>
+        <a:xfrm>
+          <a:off x="0" y="0"/>
+          <a:ext cx="0" cy="0"/>
+          <a:chOff x="0" y="0"/>
+          <a:chExt cx="0" cy="0"/>
+        </a:xfrm>
+      </p:grpSpPr>
+      <p:sp>
+        <p:nvSpPr>
+          <p:cNvPr id="2" name="スライド イメージ プレースホルダー 1"/>
+          <p:cNvSpPr>
+            <a:spLocks noGrp="1" noRot="1" noChangeAspect="1"/>
+          </p:cNvSpPr>
+          <p:nvPr>
+            <p:ph type="sldImg"/>
+          </p:nvPr>
+        </p:nvSpPr>
+        <p:spPr/>
+      </p:sp>
+      <p:sp>
+        <p:nvSpPr>
+          <p:cNvPr id="3" name="ノート プレースホルダー 2"/>
+          <p:cNvSpPr>
+            <a:spLocks noGrp="1"/>
+          </p:cNvSpPr>
+          <p:nvPr>
+            <p:ph type="body" idx="1"/>
+          </p:nvPr>
+        </p:nvSpPr>
+        <p:spPr/>
+        <p:txBody>
+          <a:bodyPr/>
+          <a:lstStyle/>
+          <a:p>
+            <a:endParaRPr kumimoji="1" lang="ja-JP" altLang="en-US"/>
+          </a:p>
+        </p:txBody>
+      </p:sp>
+      <p:sp>
+        <p:nvSpPr>
+          <p:cNvPr id="4" name="スライド番号プレースホルダー 3"/>
+          <p:cNvSpPr>
+            <a:spLocks noGrp="1"/>
+          </p:cNvSpPr>
+          <p:nvPr>
+            <p:ph type="sldNum" sz="quarter" idx="10"/>
+          </p:nvPr>
+        </p:nvSpPr>
+        <p:spPr/>
+        <p:txBody>
+          <a:bodyPr/>
+          <a:lstStyle/>
+          <a:p>
+            <a:fld id="{FEFB3154-A281-48F2-8DC9-C99E29F1ECF4}" type="slidenum">
+              <a:rPr kumimoji="1" lang="ja-JP" altLang="en-US" smtClean="0"/>
+              <a:t>2</a:t>
+            </a:fld>
+            <a:endParaRPr kumimoji="1" lang="ja-JP" altLang="en-US"/>
+          </a:p>
+        </p:txBody>
+      </p:sp>
+    </p:spTree>
+    <p:extLst>
+      <p:ext uri="{BB962C8B-B14F-4D97-AF65-F5344CB8AC3E}">
+        <p14:creationId xmlns:p14="http://schemas.microsoft.com/office/powerpoint/2010/main" val="2633903590"/>
+      </p:ext>
+    </p:extLst>
+  </p:cSld>
+  <p:clrMapOvr>
+    <a:masterClrMapping/>
+  </p:clrMapOvr>
+</p:notes>
+</file>
+
+<file path=ppt/notesSlides/notesSlide3.xml><?xml version="1.0" encoding="utf-8"?>
+<p:notes xmlns:a="http://schemas.openxmlformats.org/drawingml/2006/main" xmlns:r="http://schemas.openxmlformats.org/officeDocument/2006/relationships" xmlns:p="http://schemas.openxmlformats.org/presentationml/2006/main">
+  <p:cSld>
+    <p:spTree>
+      <p:nvGrpSpPr>
+        <p:cNvPr id="1" name=""/>
+        <p:cNvGrpSpPr/>
+        <p:nvPr/>
+      </p:nvGrpSpPr>
+      <p:grpSpPr>
+        <a:xfrm>
+          <a:off x="0" y="0"/>
+          <a:ext cx="0" cy="0"/>
+          <a:chOff x="0" y="0"/>
+          <a:chExt cx="0" cy="0"/>
+        </a:xfrm>
+      </p:grpSpPr>
+      <p:sp>
+        <p:nvSpPr>
+          <p:cNvPr id="2" name="スライド イメージ プレースホルダー 1"/>
+          <p:cNvSpPr>
+            <a:spLocks noGrp="1" noRot="1" noChangeAspect="1"/>
+          </p:cNvSpPr>
+          <p:nvPr>
+            <p:ph type="sldImg"/>
+          </p:nvPr>
+        </p:nvSpPr>
+        <p:spPr/>
+      </p:sp>
+      <p:sp>
+        <p:nvSpPr>
+          <p:cNvPr id="3" name="ノート プレースホルダー 2"/>
+          <p:cNvSpPr>
+            <a:spLocks noGrp="1"/>
+          </p:cNvSpPr>
+          <p:nvPr>
+            <p:ph type="body" idx="1"/>
+          </p:nvPr>
+        </p:nvSpPr>
+        <p:spPr/>
+        <p:txBody>
+          <a:bodyPr/>
+          <a:lstStyle/>
+          <a:p>
+            <a:endParaRPr kumimoji="1" lang="ja-JP" altLang="en-US"/>
+          </a:p>
+        </p:txBody>
+      </p:sp>
+      <p:sp>
+        <p:nvSpPr>
+          <p:cNvPr id="4" name="スライド番号プレースホルダー 3"/>
+          <p:cNvSpPr>
+            <a:spLocks noGrp="1"/>
+          </p:cNvSpPr>
+          <p:nvPr>
+            <p:ph type="sldNum" sz="quarter" idx="10"/>
+          </p:nvPr>
+        </p:nvSpPr>
+        <p:spPr/>
+        <p:txBody>
+          <a:bodyPr/>
+          <a:lstStyle/>
+          <a:p>
+            <a:fld id="{FEFB3154-A281-48F2-8DC9-C99E29F1ECF4}" type="slidenum">
+              <a:rPr kumimoji="1" lang="ja-JP" altLang="en-US" smtClean="0"/>
+              <a:t>3</a:t>
+            </a:fld>
+            <a:endParaRPr kumimoji="1" lang="ja-JP" altLang="en-US"/>
+          </a:p>
+        </p:txBody>
+      </p:sp>
+    </p:spTree>
+    <p:extLst>
+      <p:ext uri="{BB962C8B-B14F-4D97-AF65-F5344CB8AC3E}">
+        <p14:creationId xmlns:p14="http://schemas.microsoft.com/office/powerpoint/2010/main" val="1931179438"/>
+      </p:ext>
+    </p:extLst>
+  </p:cSld>
+  <p:clrMapOvr>
+    <a:masterClrMapping/>
+  </p:clrMapOvr>
+</p:notes>
+</file>
+
+<file path=ppt/notesSlides/notesSlide4.xml><?xml version="1.0" encoding="utf-8"?>
+<p:notes xmlns:a="http://schemas.openxmlformats.org/drawingml/2006/main" xmlns:r="http://schemas.openxmlformats.org/officeDocument/2006/relationships" xmlns:p="http://schemas.openxmlformats.org/presentationml/2006/main">
+  <p:cSld>
+    <p:spTree>
+      <p:nvGrpSpPr>
+        <p:cNvPr id="1" name=""/>
+        <p:cNvGrpSpPr/>
+        <p:nvPr/>
+      </p:nvGrpSpPr>
+      <p:grpSpPr>
+        <a:xfrm>
+          <a:off x="0" y="0"/>
+          <a:ext cx="0" cy="0"/>
+          <a:chOff x="0" y="0"/>
+          <a:chExt cx="0" cy="0"/>
+        </a:xfrm>
+      </p:grpSpPr>
+      <p:sp>
+        <p:nvSpPr>
+          <p:cNvPr id="2" name="スライド イメージ プレースホルダー 1"/>
+          <p:cNvSpPr>
+            <a:spLocks noGrp="1" noRot="1" noChangeAspect="1"/>
+          </p:cNvSpPr>
+          <p:nvPr>
+            <p:ph type="sldImg"/>
+          </p:nvPr>
+        </p:nvSpPr>
+        <p:spPr/>
+      </p:sp>
+      <p:sp>
+        <p:nvSpPr>
+          <p:cNvPr id="3" name="ノート プレースホルダー 2"/>
+          <p:cNvSpPr>
+            <a:spLocks noGrp="1"/>
+          </p:cNvSpPr>
+          <p:nvPr>
+            <p:ph type="body" idx="1"/>
+          </p:nvPr>
+        </p:nvSpPr>
+        <p:spPr/>
+        <p:txBody>
+          <a:bodyPr/>
+          <a:lstStyle/>
+          <a:p>
+            <a:endParaRPr kumimoji="1" lang="ja-JP" altLang="en-US"/>
+          </a:p>
+        </p:txBody>
+      </p:sp>
+      <p:sp>
+        <p:nvSpPr>
+          <p:cNvPr id="4" name="スライド番号プレースホルダー 3"/>
+          <p:cNvSpPr>
+            <a:spLocks noGrp="1"/>
+          </p:cNvSpPr>
+          <p:nvPr>
+            <p:ph type="sldNum" sz="quarter" idx="10"/>
+          </p:nvPr>
+        </p:nvSpPr>
+        <p:spPr/>
+        <p:txBody>
+          <a:bodyPr/>
+          <a:lstStyle/>
+          <a:p>
+            <a:fld id="{FEFB3154-A281-48F2-8DC9-C99E29F1ECF4}" type="slidenum">
+              <a:rPr kumimoji="1" lang="ja-JP" altLang="en-US" smtClean="0"/>
+              <a:t>4</a:t>
+            </a:fld>
+            <a:endParaRPr kumimoji="1" lang="ja-JP" altLang="en-US"/>
+          </a:p>
+        </p:txBody>
+      </p:sp>
+    </p:spTree>
+    <p:extLst>
+      <p:ext uri="{BB962C8B-B14F-4D97-AF65-F5344CB8AC3E}">
+        <p14:creationId xmlns:p14="http://schemas.microsoft.com/office/powerpoint/2010/main" val="2482776378"/>
+      </p:ext>
+    </p:extLst>
+  </p:cSld>
+  <p:clrMapOvr>
+    <a:masterClrMapping/>
+  </p:clrMapOvr>
+</p:notes>
+</file>
+
+<file path=ppt/notesSlides/notesSlide5.xml><?xml version="1.0" encoding="utf-8"?>
+<p:notes xmlns:a="http://schemas.openxmlformats.org/drawingml/2006/main" xmlns:r="http://schemas.openxmlformats.org/officeDocument/2006/relationships" xmlns:p="http://schemas.openxmlformats.org/presentationml/2006/main">
+  <p:cSld>
+    <p:spTree>
+      <p:nvGrpSpPr>
+        <p:cNvPr id="1" name=""/>
+        <p:cNvGrpSpPr/>
+        <p:nvPr/>
+      </p:nvGrpSpPr>
+      <p:grpSpPr>
+        <a:xfrm>
+          <a:off x="0" y="0"/>
+          <a:ext cx="0" cy="0"/>
+          <a:chOff x="0" y="0"/>
+          <a:chExt cx="0" cy="0"/>
+        </a:xfrm>
+      </p:grpSpPr>
+      <p:sp>
+        <p:nvSpPr>
+          <p:cNvPr id="2" name="スライド イメージ プレースホルダー 1"/>
+          <p:cNvSpPr>
+            <a:spLocks noGrp="1" noRot="1" noChangeAspect="1"/>
+          </p:cNvSpPr>
+          <p:nvPr>
+            <p:ph type="sldImg"/>
+          </p:nvPr>
+        </p:nvSpPr>
+        <p:spPr/>
+      </p:sp>
+      <p:sp>
+        <p:nvSpPr>
+          <p:cNvPr id="3" name="ノート プレースホルダー 2"/>
+          <p:cNvSpPr>
+            <a:spLocks noGrp="1"/>
+          </p:cNvSpPr>
+          <p:nvPr>
+            <p:ph type="body" idx="1"/>
+          </p:nvPr>
+        </p:nvSpPr>
+        <p:spPr/>
+        <p:txBody>
+          <a:bodyPr/>
+          <a:lstStyle/>
+          <a:p>
+            <a:endParaRPr kumimoji="1" lang="ja-JP" altLang="en-US"/>
+          </a:p>
+        </p:txBody>
+      </p:sp>
+      <p:sp>
+        <p:nvSpPr>
+          <p:cNvPr id="4" name="スライド番号プレースホルダー 3"/>
+          <p:cNvSpPr>
+            <a:spLocks noGrp="1"/>
+          </p:cNvSpPr>
+          <p:nvPr>
+            <p:ph type="sldNum" sz="quarter" idx="10"/>
+          </p:nvPr>
+        </p:nvSpPr>
+        <p:spPr/>
+        <p:txBody>
+          <a:bodyPr/>
+          <a:lstStyle/>
+          <a:p>
+            <a:fld id="{FEFB3154-A281-48F2-8DC9-C99E29F1ECF4}" type="slidenum">
+              <a:rPr kumimoji="1" lang="ja-JP" altLang="en-US" smtClean="0"/>
+              <a:t>5</a:t>
+            </a:fld>
+            <a:endParaRPr kumimoji="1" lang="ja-JP" altLang="en-US"/>
+          </a:p>
+        </p:txBody>
+      </p:sp>
+    </p:spTree>
+    <p:extLst>
+      <p:ext uri="{BB962C8B-B14F-4D97-AF65-F5344CB8AC3E}">
+        <p14:creationId xmlns:p14="http://schemas.microsoft.com/office/powerpoint/2010/main" val="3118068528"/>
+      </p:ext>
+    </p:extLst>
+  </p:cSld>
+  <p:clrMapOvr>
+    <a:masterClrMapping/>
+  </p:clrMapOvr>
+</p:notes>
+</file>
+
+<file path=ppt/notesSlides/notesSlide6.xml><?xml version="1.0" encoding="utf-8"?>
+<p:notes xmlns:a="http://schemas.openxmlformats.org/drawingml/2006/main" xmlns:r="http://schemas.openxmlformats.org/officeDocument/2006/relationships" xmlns:p="http://schemas.openxmlformats.org/presentationml/2006/main">
+  <p:cSld>
+    <p:spTree>
+      <p:nvGrpSpPr>
+        <p:cNvPr id="1" name=""/>
+        <p:cNvGrpSpPr/>
+        <p:nvPr/>
+      </p:nvGrpSpPr>
+      <p:grpSpPr>
+        <a:xfrm>
+          <a:off x="0" y="0"/>
+          <a:ext cx="0" cy="0"/>
+          <a:chOff x="0" y="0"/>
+          <a:chExt cx="0" cy="0"/>
+        </a:xfrm>
+      </p:grpSpPr>
+      <p:sp>
+        <p:nvSpPr>
+          <p:cNvPr id="2" name="スライド イメージ プレースホルダー 1"/>
+          <p:cNvSpPr>
+            <a:spLocks noGrp="1" noRot="1" noChangeAspect="1"/>
+          </p:cNvSpPr>
+          <p:nvPr>
+            <p:ph type="sldImg"/>
+          </p:nvPr>
+        </p:nvSpPr>
+        <p:spPr/>
+      </p:sp>
+      <p:sp>
+        <p:nvSpPr>
+          <p:cNvPr id="3" name="ノート プレースホルダー 2"/>
+          <p:cNvSpPr>
+            <a:spLocks noGrp="1"/>
+          </p:cNvSpPr>
+          <p:nvPr>
+            <p:ph type="body" idx="1"/>
+          </p:nvPr>
+        </p:nvSpPr>
+        <p:spPr/>
+        <p:txBody>
+          <a:bodyPr/>
+          <a:lstStyle/>
+          <a:p>
+            <a:endParaRPr kumimoji="1" lang="ja-JP" altLang="en-US"/>
+          </a:p>
+        </p:txBody>
+      </p:sp>
+      <p:sp>
+        <p:nvSpPr>
+          <p:cNvPr id="4" name="スライド番号プレースホルダー 3"/>
+          <p:cNvSpPr>
+            <a:spLocks noGrp="1"/>
+          </p:cNvSpPr>
+          <p:nvPr>
+            <p:ph type="sldNum" sz="quarter" idx="10"/>
+          </p:nvPr>
+        </p:nvSpPr>
+        <p:spPr/>
+        <p:txBody>
+          <a:bodyPr/>
+          <a:lstStyle/>
+          <a:p>
+            <a:fld id="{FEFB3154-A281-48F2-8DC9-C99E29F1ECF4}" type="slidenum">
+              <a:rPr kumimoji="1" lang="ja-JP" altLang="en-US" smtClean="0"/>
+              <a:t>6</a:t>
+            </a:fld>
+            <a:endParaRPr kumimoji="1" lang="ja-JP" altLang="en-US"/>
+          </a:p>
+        </p:txBody>
+      </p:sp>
+    </p:spTree>
+    <p:extLst>
+      <p:ext uri="{BB962C8B-B14F-4D97-AF65-F5344CB8AC3E}">
+        <p14:creationId xmlns:p14="http://schemas.microsoft.com/office/powerpoint/2010/main" val="2846837617"/>
+      </p:ext>
+    </p:extLst>
+  </p:cSld>
+  <p:clrMapOvr>
+    <a:masterClrMapping/>
+  </p:clrMapOvr>
+</p:notes>
+</file>
+
+<file path=ppt/notesSlides/notesSlide7.xml><?xml version="1.0" encoding="utf-8"?>
+<p:notes xmlns:a="http://schemas.openxmlformats.org/drawingml/2006/main" xmlns:r="http://schemas.openxmlformats.org/officeDocument/2006/relationships" xmlns:p="http://schemas.openxmlformats.org/presentationml/2006/main">
+  <p:cSld>
+    <p:spTree>
+      <p:nvGrpSpPr>
+        <p:cNvPr id="1" name=""/>
+        <p:cNvGrpSpPr/>
+        <p:nvPr/>
+      </p:nvGrpSpPr>
+      <p:grpSpPr>
+        <a:xfrm>
+          <a:off x="0" y="0"/>
+          <a:ext cx="0" cy="0"/>
+          <a:chOff x="0" y="0"/>
+          <a:chExt cx="0" cy="0"/>
+        </a:xfrm>
+      </p:grpSpPr>
+      <p:sp>
+        <p:nvSpPr>
+          <p:cNvPr id="2" name="スライド イメージ プレースホルダー 1"/>
+          <p:cNvSpPr>
+            <a:spLocks noGrp="1" noRot="1" noChangeAspect="1"/>
+          </p:cNvSpPr>
+          <p:nvPr>
+            <p:ph type="sldImg"/>
+          </p:nvPr>
+        </p:nvSpPr>
+        <p:spPr/>
+      </p:sp>
+      <p:sp>
+        <p:nvSpPr>
+          <p:cNvPr id="3" name="ノート プレースホルダー 2"/>
+          <p:cNvSpPr>
+            <a:spLocks noGrp="1"/>
+          </p:cNvSpPr>
+          <p:nvPr>
+            <p:ph type="body" idx="1"/>
+          </p:nvPr>
+        </p:nvSpPr>
+        <p:spPr/>
+        <p:txBody>
+          <a:bodyPr/>
+          <a:lstStyle/>
+          <a:p>
+            <a:endParaRPr kumimoji="1" lang="ja-JP" altLang="en-US"/>
+          </a:p>
+        </p:txBody>
+      </p:sp>
+      <p:sp>
+        <p:nvSpPr>
+          <p:cNvPr id="4" name="スライド番号プレースホルダー 3"/>
+          <p:cNvSpPr>
+            <a:spLocks noGrp="1"/>
+          </p:cNvSpPr>
+          <p:nvPr>
+            <p:ph type="sldNum" sz="quarter" idx="10"/>
+          </p:nvPr>
+        </p:nvSpPr>
+        <p:spPr/>
+        <p:txBody>
+          <a:bodyPr/>
+          <a:lstStyle/>
+          <a:p>
+            <a:fld id="{FEFB3154-A281-48F2-8DC9-C99E29F1ECF4}" type="slidenum">
+              <a:rPr kumimoji="1" lang="ja-JP" altLang="en-US" smtClean="0"/>
+              <a:t>7</a:t>
+            </a:fld>
+            <a:endParaRPr kumimoji="1" lang="ja-JP" altLang="en-US"/>
+          </a:p>
+        </p:txBody>
+      </p:sp>
+    </p:spTree>
+    <p:extLst>
+      <p:ext uri="{BB962C8B-B14F-4D97-AF65-F5344CB8AC3E}">
+        <p14:creationId xmlns:p14="http://schemas.microsoft.com/office/powerpoint/2010/main" val="1903063822"/>
+      </p:ext>
+    </p:extLst>
+  </p:cSld>
+  <p:clrMapOvr>
+    <a:masterClrMapping/>
+  </p:clrMapOvr>
+</p:notes>
+</file>
+
+<file path=ppt/notesSlides/notesSlide8.xml><?xml version="1.0" encoding="utf-8"?>
+<p:notes xmlns:a="http://schemas.openxmlformats.org/drawingml/2006/main" xmlns:r="http://schemas.openxmlformats.org/officeDocument/2006/relationships" xmlns:p="http://schemas.openxmlformats.org/presentationml/2006/main">
+  <p:cSld>
+    <p:spTree>
+      <p:nvGrpSpPr>
+        <p:cNvPr id="1" name=""/>
+        <p:cNvGrpSpPr/>
+        <p:nvPr/>
+      </p:nvGrpSpPr>
+      <p:grpSpPr>
+        <a:xfrm>
+          <a:off x="0" y="0"/>
+          <a:ext cx="0" cy="0"/>
+          <a:chOff x="0" y="0"/>
+          <a:chExt cx="0" cy="0"/>
+        </a:xfrm>
+      </p:grpSpPr>
+      <p:sp>
+        <p:nvSpPr>
+          <p:cNvPr id="2" name="スライド イメージ プレースホルダー 1"/>
+          <p:cNvSpPr>
+            <a:spLocks noGrp="1" noRot="1" noChangeAspect="1"/>
+          </p:cNvSpPr>
+          <p:nvPr>
+            <p:ph type="sldImg"/>
+          </p:nvPr>
+        </p:nvSpPr>
+        <p:spPr/>
+      </p:sp>
+      <p:sp>
+        <p:nvSpPr>
+          <p:cNvPr id="3" name="ノート プレースホルダー 2"/>
+          <p:cNvSpPr>
+            <a:spLocks noGrp="1"/>
+          </p:cNvSpPr>
+          <p:nvPr>
+            <p:ph type="body" idx="1"/>
+          </p:nvPr>
+        </p:nvSpPr>
+        <p:spPr/>
+        <p:txBody>
+          <a:bodyPr/>
+          <a:lstStyle/>
+          <a:p>
+            <a:endParaRPr kumimoji="1" lang="ja-JP" altLang="en-US"/>
+          </a:p>
+        </p:txBody>
+      </p:sp>
+      <p:sp>
+        <p:nvSpPr>
+          <p:cNvPr id="4" name="スライド番号プレースホルダー 3"/>
+          <p:cNvSpPr>
+            <a:spLocks noGrp="1"/>
+          </p:cNvSpPr>
+          <p:nvPr>
+            <p:ph type="sldNum" sz="quarter" idx="10"/>
+          </p:nvPr>
+        </p:nvSpPr>
+        <p:spPr/>
+        <p:txBody>
+          <a:bodyPr/>
+          <a:lstStyle/>
+          <a:p>
+            <a:fld id="{FEFB3154-A281-48F2-8DC9-C99E29F1ECF4}" type="slidenum">
+              <a:rPr kumimoji="1" lang="ja-JP" altLang="en-US" smtClean="0"/>
+              <a:t>8</a:t>
+            </a:fld>
+            <a:endParaRPr kumimoji="1" lang="ja-JP" altLang="en-US"/>
+          </a:p>
+        </p:txBody>
+      </p:sp>
+    </p:spTree>
+    <p:extLst>
+      <p:ext uri="{BB962C8B-B14F-4D97-AF65-F5344CB8AC3E}">
+        <p14:creationId xmlns:p14="http://schemas.microsoft.com/office/powerpoint/2010/main" val="2603317105"/>
+      </p:ext>
+    </p:extLst>
+  </p:cSld>
+  <p:clrMapOvr>
+    <a:masterClrMapping/>
+  </p:clrMapOvr>
+</p:notes>
+</file>
+
+<file path=ppt/notesSlides/notesSlide9.xml><?xml version="1.0" encoding="utf-8"?>
+<p:notes xmlns:a="http://schemas.openxmlformats.org/drawingml/2006/main" xmlns:r="http://schemas.openxmlformats.org/officeDocument/2006/relationships" xmlns:p="http://schemas.openxmlformats.org/presentationml/2006/main">
+  <p:cSld>
+    <p:spTree>
+      <p:nvGrpSpPr>
+        <p:cNvPr id="1" name=""/>
+        <p:cNvGrpSpPr/>
+        <p:nvPr/>
+      </p:nvGrpSpPr>
+      <p:grpSpPr>
+        <a:xfrm>
+          <a:off x="0" y="0"/>
+          <a:ext cx="0" cy="0"/>
+          <a:chOff x="0" y="0"/>
+          <a:chExt cx="0" cy="0"/>
+        </a:xfrm>
+      </p:grpSpPr>
+      <p:sp>
+        <p:nvSpPr>
+          <p:cNvPr id="2" name="スライド イメージ プレースホルダー 1"/>
+          <p:cNvSpPr>
+            <a:spLocks noGrp="1" noRot="1" noChangeAspect="1"/>
+          </p:cNvSpPr>
+          <p:nvPr>
+            <p:ph type="sldImg"/>
+          </p:nvPr>
+        </p:nvSpPr>
+        <p:spPr/>
+      </p:sp>
+      <p:sp>
+        <p:nvSpPr>
+          <p:cNvPr id="3" name="ノート プレースホルダー 2"/>
+          <p:cNvSpPr>
+            <a:spLocks noGrp="1"/>
+          </p:cNvSpPr>
+          <p:nvPr>
+            <p:ph type="body" idx="1"/>
+          </p:nvPr>
+        </p:nvSpPr>
+        <p:spPr/>
+        <p:txBody>
+          <a:bodyPr/>
+          <a:lstStyle/>
+          <a:p>
+            <a:endParaRPr kumimoji="1" lang="ja-JP" altLang="en-US"/>
+          </a:p>
+        </p:txBody>
+      </p:sp>
+      <p:sp>
+        <p:nvSpPr>
+          <p:cNvPr id="4" name="スライド番号プレースホルダー 3"/>
+          <p:cNvSpPr>
+            <a:spLocks noGrp="1"/>
+          </p:cNvSpPr>
+          <p:nvPr>
+            <p:ph type="sldNum" sz="quarter" idx="10"/>
+          </p:nvPr>
+        </p:nvSpPr>
+        <p:spPr/>
+        <p:txBody>
+          <a:bodyPr/>
+          <a:lstStyle/>
+          <a:p>
+            <a:fld id="{FEFB3154-A281-48F2-8DC9-C99E29F1ECF4}" type="slidenum">
+              <a:rPr kumimoji="1" lang="ja-JP" altLang="en-US" smtClean="0"/>
+              <a:t>9</a:t>
+            </a:fld>
+            <a:endParaRPr kumimoji="1" lang="ja-JP" altLang="en-US"/>
+          </a:p>
+        </p:txBody>
+      </p:sp>
+    </p:spTree>
+    <p:extLst>
+      <p:ext uri="{BB962C8B-B14F-4D97-AF65-F5344CB8AC3E}">
+        <p14:creationId xmlns:p14="http://schemas.microsoft.com/office/powerpoint/2010/main" val="2334585315"/>
+      </p:ext>
+    </p:extLst>
+  </p:cSld>
+  <p:clrMapOvr>
+    <a:masterClrMapping/>
+  </p:clrMapOvr>
+</p:notes>
+</file>
+
 <file path=ppt/slideLayouts/slideLayout1.xml><?xml version="1.0" encoding="utf-8"?>
 <p:sldLayout xmlns:a="http://schemas.openxmlformats.org/drawingml/2006/main" xmlns:r="http://schemas.openxmlformats.org/officeDocument/2006/relationships" xmlns:p="http://schemas.openxmlformats.org/presentationml/2006/main" type="title" preserve="1">
   <p:cSld name="タイトル スライド">
@@ -774,7 +2370,7 @@
           <a:p>
             <a:fld id="{764389B5-BBD8-4BB5-AA3B-F6D4F6020998}" type="datetimeFigureOut">
               <a:rPr kumimoji="1" lang="ja-JP" altLang="en-US" smtClean="0"/>
-              <a:t>2013/12/17</a:t>
+              <a:t>2013/12/28</a:t>
             </a:fld>
             <a:endParaRPr kumimoji="1" lang="ja-JP" altLang="en-US"/>
           </a:p>
@@ -976,7 +2572,7 @@
           <a:p>
             <a:fld id="{764389B5-BBD8-4BB5-AA3B-F6D4F6020998}" type="datetimeFigureOut">
               <a:rPr kumimoji="1" lang="ja-JP" altLang="en-US" smtClean="0"/>
-              <a:t>2013/12/17</a:t>
+              <a:t>2013/12/28</a:t>
             </a:fld>
             <a:endParaRPr kumimoji="1" lang="ja-JP" altLang="en-US"/>
           </a:p>
@@ -1188,7 +2784,7 @@
           <a:p>
             <a:fld id="{764389B5-BBD8-4BB5-AA3B-F6D4F6020998}" type="datetimeFigureOut">
               <a:rPr kumimoji="1" lang="ja-JP" altLang="en-US" smtClean="0"/>
-              <a:t>2013/12/17</a:t>
+              <a:t>2013/12/28</a:t>
             </a:fld>
             <a:endParaRPr kumimoji="1" lang="ja-JP" altLang="en-US"/>
           </a:p>
@@ -1390,7 +2986,7 @@
           <a:p>
             <a:fld id="{764389B5-BBD8-4BB5-AA3B-F6D4F6020998}" type="datetimeFigureOut">
               <a:rPr kumimoji="1" lang="ja-JP" altLang="en-US" smtClean="0"/>
-              <a:t>2013/12/17</a:t>
+              <a:t>2013/12/28</a:t>
             </a:fld>
             <a:endParaRPr kumimoji="1" lang="ja-JP" altLang="en-US"/>
           </a:p>
@@ -1636,7 +3232,7 @@
           <a:p>
             <a:fld id="{764389B5-BBD8-4BB5-AA3B-F6D4F6020998}" type="datetimeFigureOut">
               <a:rPr kumimoji="1" lang="ja-JP" altLang="en-US" smtClean="0"/>
-              <a:t>2013/12/17</a:t>
+              <a:t>2013/12/28</a:t>
             </a:fld>
             <a:endParaRPr kumimoji="1" lang="ja-JP" altLang="en-US"/>
           </a:p>
@@ -1988,7 +3584,7 @@
           <a:p>
             <a:fld id="{764389B5-BBD8-4BB5-AA3B-F6D4F6020998}" type="datetimeFigureOut">
               <a:rPr kumimoji="1" lang="ja-JP" altLang="en-US" smtClean="0"/>
-              <a:t>2013/12/17</a:t>
+              <a:t>2013/12/28</a:t>
             </a:fld>
             <a:endParaRPr kumimoji="1" lang="ja-JP" altLang="en-US"/>
           </a:p>
@@ -2474,7 +4070,7 @@
           <a:p>
             <a:fld id="{764389B5-BBD8-4BB5-AA3B-F6D4F6020998}" type="datetimeFigureOut">
               <a:rPr kumimoji="1" lang="ja-JP" altLang="en-US" smtClean="0"/>
-              <a:t>2013/12/17</a:t>
+              <a:t>2013/12/28</a:t>
             </a:fld>
             <a:endParaRPr kumimoji="1" lang="ja-JP" altLang="en-US"/>
           </a:p>
@@ -2592,7 +4188,7 @@
           <a:p>
             <a:fld id="{764389B5-BBD8-4BB5-AA3B-F6D4F6020998}" type="datetimeFigureOut">
               <a:rPr kumimoji="1" lang="ja-JP" altLang="en-US" smtClean="0"/>
-              <a:t>2013/12/17</a:t>
+              <a:t>2013/12/28</a:t>
             </a:fld>
             <a:endParaRPr kumimoji="1" lang="ja-JP" altLang="en-US"/>
           </a:p>
@@ -2687,7 +4283,7 @@
           <a:p>
             <a:fld id="{764389B5-BBD8-4BB5-AA3B-F6D4F6020998}" type="datetimeFigureOut">
               <a:rPr kumimoji="1" lang="ja-JP" altLang="en-US" smtClean="0"/>
-              <a:t>2013/12/17</a:t>
+              <a:t>2013/12/28</a:t>
             </a:fld>
             <a:endParaRPr kumimoji="1" lang="ja-JP" altLang="en-US"/>
           </a:p>
@@ -2996,7 +4592,7 @@
           <a:p>
             <a:fld id="{764389B5-BBD8-4BB5-AA3B-F6D4F6020998}" type="datetimeFigureOut">
               <a:rPr kumimoji="1" lang="ja-JP" altLang="en-US" smtClean="0"/>
-              <a:t>2013/12/17</a:t>
+              <a:t>2013/12/28</a:t>
             </a:fld>
             <a:endParaRPr kumimoji="1" lang="ja-JP" altLang="en-US"/>
           </a:p>
@@ -3249,7 +4845,7 @@
           <a:p>
             <a:fld id="{764389B5-BBD8-4BB5-AA3B-F6D4F6020998}" type="datetimeFigureOut">
               <a:rPr kumimoji="1" lang="ja-JP" altLang="en-US" smtClean="0"/>
-              <a:t>2013/12/17</a:t>
+              <a:t>2013/12/28</a:t>
             </a:fld>
             <a:endParaRPr kumimoji="1" lang="ja-JP" altLang="en-US"/>
           </a:p>
@@ -3494,7 +5090,7 @@
           <a:p>
             <a:fld id="{764389B5-BBD8-4BB5-AA3B-F6D4F6020998}" type="datetimeFigureOut">
               <a:rPr kumimoji="1" lang="ja-JP" altLang="en-US" smtClean="0"/>
-              <a:t>2013/12/17</a:t>
+              <a:t>2013/12/28</a:t>
             </a:fld>
             <a:endParaRPr kumimoji="1" lang="ja-JP" altLang="en-US"/>
           </a:p>
@@ -3882,23 +5478,27 @@
         <p:spPr/>
         <p:txBody>
           <a:bodyPr>
-            <a:normAutofit fontScale="90000"/>
+            <a:noAutofit/>
           </a:bodyPr>
           <a:lstStyle/>
           <a:p>
             <a:r>
-              <a:rPr kumimoji="1" lang="ja-JP" altLang="en-US" dirty="0" smtClean="0"/>
-              <a:t>電子タグで表現される免疫機構を持つ</a:t>
-            </a:r>
-            <a:r>
-              <a:rPr kumimoji="1" lang="en-US" altLang="ja-JP" dirty="0" smtClean="0"/>
+              <a:rPr kumimoji="1" lang="ja-JP" altLang="en-US" sz="3600" dirty="0" smtClean="0"/>
+              <a:t>電子タグで表現される免疫</a:t>
+            </a:r>
+            <a:r>
+              <a:rPr kumimoji="1" lang="ja-JP" altLang="en-US" sz="3600" dirty="0" smtClean="0"/>
+              <a:t>機構を持つ</a:t>
+            </a:r>
+            <a:r>
+              <a:rPr kumimoji="1" lang="en-US" altLang="ja-JP" sz="3600" dirty="0" smtClean="0"/>
               <a:t>Agent Based Epidemic Model</a:t>
             </a:r>
             <a:r>
-              <a:rPr kumimoji="1" lang="ja-JP" altLang="en-US" dirty="0" smtClean="0"/>
+              <a:rPr kumimoji="1" lang="ja-JP" altLang="en-US" sz="3600" dirty="0" smtClean="0"/>
               <a:t>に対する数値解析的研究</a:t>
             </a:r>
-            <a:endParaRPr kumimoji="1" lang="ja-JP" altLang="en-US" dirty="0"/>
+            <a:endParaRPr kumimoji="1" lang="ja-JP" altLang="en-US" sz="3600" dirty="0"/>
           </a:p>
         </p:txBody>
       </p:sp>
@@ -6783,4 +8383,289 @@
   <a:objectDefaults/>
   <a:extraClrSchemeLst/>
 </a:theme>
+</file>
+
+<file path=ppt/theme/theme3.xml><?xml version="1.0" encoding="utf-8"?>
+<a:theme xmlns:a="http://schemas.openxmlformats.org/drawingml/2006/main" name="Office ​​テーマ">
+  <a:themeElements>
+    <a:clrScheme name="Office">
+      <a:dk1>
+        <a:sysClr val="windowText" lastClr="000000"/>
+      </a:dk1>
+      <a:lt1>
+        <a:sysClr val="window" lastClr="FFFFFF"/>
+      </a:lt1>
+      <a:dk2>
+        <a:srgbClr val="1F497D"/>
+      </a:dk2>
+      <a:lt2>
+        <a:srgbClr val="EEECE1"/>
+      </a:lt2>
+      <a:accent1>
+        <a:srgbClr val="4F81BD"/>
+      </a:accent1>
+      <a:accent2>
+        <a:srgbClr val="C0504D"/>
+      </a:accent2>
+      <a:accent3>
+        <a:srgbClr val="9BBB59"/>
+      </a:accent3>
+      <a:accent4>
+        <a:srgbClr val="8064A2"/>
+      </a:accent4>
+      <a:accent5>
+        <a:srgbClr val="4BACC6"/>
+      </a:accent5>
+      <a:accent6>
+        <a:srgbClr val="F79646"/>
+      </a:accent6>
+      <a:hlink>
+        <a:srgbClr val="0000FF"/>
+      </a:hlink>
+      <a:folHlink>
+        <a:srgbClr val="800080"/>
+      </a:folHlink>
+    </a:clrScheme>
+    <a:fontScheme name="Office">
+      <a:majorFont>
+        <a:latin typeface="Calibri"/>
+        <a:ea typeface=""/>
+        <a:cs typeface=""/>
+        <a:font script="Jpan" typeface="ＭＳ Ｐゴシック"/>
+        <a:font script="Hang" typeface="맑은 고딕"/>
+        <a:font script="Hans" typeface="宋体"/>
+        <a:font script="Hant" typeface="新細明體"/>
+        <a:font script="Arab" typeface="Times New Roman"/>
+        <a:font script="Hebr" typeface="Times New Roman"/>
+        <a:font script="Thai" typeface="Angsana New"/>
+        <a:font script="Ethi" typeface="Nyala"/>
+        <a:font script="Beng" typeface="Vrinda"/>
+        <a:font script="Gujr" typeface="Shruti"/>
+        <a:font script="Khmr" typeface="MoolBoran"/>
+        <a:font script="Knda" typeface="Tunga"/>
+        <a:font script="Guru" typeface="Raavi"/>
+        <a:font script="Cans" typeface="Euphemia"/>
+        <a:font script="Cher" typeface="Plantagenet Cherokee"/>
+        <a:font script="Yiii" typeface="Microsoft Yi Baiti"/>
+        <a:font script="Tibt" typeface="Microsoft Himalaya"/>
+        <a:font script="Thaa" typeface="MV Boli"/>
+        <a:font script="Deva" typeface="Mangal"/>
+        <a:font script="Telu" typeface="Gautami"/>
+        <a:font script="Taml" typeface="Latha"/>
+        <a:font script="Syrc" typeface="Estrangelo Edessa"/>
+        <a:font script="Orya" typeface="Kalinga"/>
+        <a:font script="Mlym" typeface="Kartika"/>
+        <a:font script="Laoo" typeface="DokChampa"/>
+        <a:font script="Sinh" typeface="Iskoola Pota"/>
+        <a:font script="Mong" typeface="Mongolian Baiti"/>
+        <a:font script="Viet" typeface="Times New Roman"/>
+        <a:font script="Uigh" typeface="Microsoft Uighur"/>
+        <a:font script="Geor" typeface="Sylfaen"/>
+      </a:majorFont>
+      <a:minorFont>
+        <a:latin typeface="Calibri"/>
+        <a:ea typeface=""/>
+        <a:cs typeface=""/>
+        <a:font script="Jpan" typeface="ＭＳ Ｐゴシック"/>
+        <a:font script="Hang" typeface="맑은 고딕"/>
+        <a:font script="Hans" typeface="宋体"/>
+        <a:font script="Hant" typeface="新細明體"/>
+        <a:font script="Arab" typeface="Arial"/>
+        <a:font script="Hebr" typeface="Arial"/>
+        <a:font script="Thai" typeface="Cordia New"/>
+        <a:font script="Ethi" typeface="Nyala"/>
+        <a:font script="Beng" typeface="Vrinda"/>
+        <a:font script="Gujr" typeface="Shruti"/>
+        <a:font script="Khmr" typeface="DaunPenh"/>
+        <a:font script="Knda" typeface="Tunga"/>
+        <a:font script="Guru" typeface="Raavi"/>
+        <a:font script="Cans" typeface="Euphemia"/>
+        <a:font script="Cher" typeface="Plantagenet Cherokee"/>
+        <a:font script="Yiii" typeface="Microsoft Yi Baiti"/>
+        <a:font script="Tibt" typeface="Microsoft Himalaya"/>
+        <a:font script="Thaa" typeface="MV Boli"/>
+        <a:font script="Deva" typeface="Mangal"/>
+        <a:font script="Telu" typeface="Gautami"/>
+        <a:font script="Taml" typeface="Latha"/>
+        <a:font script="Syrc" typeface="Estrangelo Edessa"/>
+        <a:font script="Orya" typeface="Kalinga"/>
+        <a:font script="Mlym" typeface="Kartika"/>
+        <a:font script="Laoo" typeface="DokChampa"/>
+        <a:font script="Sinh" typeface="Iskoola Pota"/>
+        <a:font script="Mong" typeface="Mongolian Baiti"/>
+        <a:font script="Viet" typeface="Arial"/>
+        <a:font script="Uigh" typeface="Microsoft Uighur"/>
+        <a:font script="Geor" typeface="Sylfaen"/>
+      </a:minorFont>
+    </a:fontScheme>
+    <a:fmtScheme name="Office">
+      <a:fillStyleLst>
+        <a:solidFill>
+          <a:schemeClr val="phClr"/>
+        </a:solidFill>
+        <a:gradFill rotWithShape="1">
+          <a:gsLst>
+            <a:gs pos="0">
+              <a:schemeClr val="phClr">
+                <a:tint val="50000"/>
+                <a:satMod val="300000"/>
+              </a:schemeClr>
+            </a:gs>
+            <a:gs pos="35000">
+              <a:schemeClr val="phClr">
+                <a:tint val="37000"/>
+                <a:satMod val="300000"/>
+              </a:schemeClr>
+            </a:gs>
+            <a:gs pos="100000">
+              <a:schemeClr val="phClr">
+                <a:tint val="15000"/>
+                <a:satMod val="350000"/>
+              </a:schemeClr>
+            </a:gs>
+          </a:gsLst>
+          <a:lin ang="16200000" scaled="1"/>
+        </a:gradFill>
+        <a:gradFill rotWithShape="1">
+          <a:gsLst>
+            <a:gs pos="0">
+              <a:schemeClr val="phClr">
+                <a:shade val="51000"/>
+                <a:satMod val="130000"/>
+              </a:schemeClr>
+            </a:gs>
+            <a:gs pos="80000">
+              <a:schemeClr val="phClr">
+                <a:shade val="93000"/>
+                <a:satMod val="130000"/>
+              </a:schemeClr>
+            </a:gs>
+            <a:gs pos="100000">
+              <a:schemeClr val="phClr">
+                <a:shade val="94000"/>
+                <a:satMod val="135000"/>
+              </a:schemeClr>
+            </a:gs>
+          </a:gsLst>
+          <a:lin ang="16200000" scaled="0"/>
+        </a:gradFill>
+      </a:fillStyleLst>
+      <a:lnStyleLst>
+        <a:ln w="9525" cap="flat" cmpd="sng" algn="ctr">
+          <a:solidFill>
+            <a:schemeClr val="phClr">
+              <a:shade val="95000"/>
+              <a:satMod val="105000"/>
+            </a:schemeClr>
+          </a:solidFill>
+          <a:prstDash val="solid"/>
+        </a:ln>
+        <a:ln w="25400" cap="flat" cmpd="sng" algn="ctr">
+          <a:solidFill>
+            <a:schemeClr val="phClr"/>
+          </a:solidFill>
+          <a:prstDash val="solid"/>
+        </a:ln>
+        <a:ln w="38100" cap="flat" cmpd="sng" algn="ctr">
+          <a:solidFill>
+            <a:schemeClr val="phClr"/>
+          </a:solidFill>
+          <a:prstDash val="solid"/>
+        </a:ln>
+      </a:lnStyleLst>
+      <a:effectStyleLst>
+        <a:effectStyle>
+          <a:effectLst>
+            <a:outerShdw blurRad="40000" dist="20000" dir="5400000" rotWithShape="0">
+              <a:srgbClr val="000000">
+                <a:alpha val="38000"/>
+              </a:srgbClr>
+            </a:outerShdw>
+          </a:effectLst>
+        </a:effectStyle>
+        <a:effectStyle>
+          <a:effectLst>
+            <a:outerShdw blurRad="40000" dist="23000" dir="5400000" rotWithShape="0">
+              <a:srgbClr val="000000">
+                <a:alpha val="35000"/>
+              </a:srgbClr>
+            </a:outerShdw>
+          </a:effectLst>
+        </a:effectStyle>
+        <a:effectStyle>
+          <a:effectLst>
+            <a:outerShdw blurRad="40000" dist="23000" dir="5400000" rotWithShape="0">
+              <a:srgbClr val="000000">
+                <a:alpha val="35000"/>
+              </a:srgbClr>
+            </a:outerShdw>
+          </a:effectLst>
+          <a:scene3d>
+            <a:camera prst="orthographicFront">
+              <a:rot lat="0" lon="0" rev="0"/>
+            </a:camera>
+            <a:lightRig rig="threePt" dir="t">
+              <a:rot lat="0" lon="0" rev="1200000"/>
+            </a:lightRig>
+          </a:scene3d>
+          <a:sp3d>
+            <a:bevelT w="63500" h="25400"/>
+          </a:sp3d>
+        </a:effectStyle>
+      </a:effectStyleLst>
+      <a:bgFillStyleLst>
+        <a:solidFill>
+          <a:schemeClr val="phClr"/>
+        </a:solidFill>
+        <a:gradFill rotWithShape="1">
+          <a:gsLst>
+            <a:gs pos="0">
+              <a:schemeClr val="phClr">
+                <a:tint val="40000"/>
+                <a:satMod val="350000"/>
+              </a:schemeClr>
+            </a:gs>
+            <a:gs pos="40000">
+              <a:schemeClr val="phClr">
+                <a:tint val="45000"/>
+                <a:shade val="99000"/>
+                <a:satMod val="350000"/>
+              </a:schemeClr>
+            </a:gs>
+            <a:gs pos="100000">
+              <a:schemeClr val="phClr">
+                <a:shade val="20000"/>
+                <a:satMod val="255000"/>
+              </a:schemeClr>
+            </a:gs>
+          </a:gsLst>
+          <a:path path="circle">
+            <a:fillToRect l="50000" t="-80000" r="50000" b="180000"/>
+          </a:path>
+        </a:gradFill>
+        <a:gradFill rotWithShape="1">
+          <a:gsLst>
+            <a:gs pos="0">
+              <a:schemeClr val="phClr">
+                <a:tint val="80000"/>
+                <a:satMod val="300000"/>
+              </a:schemeClr>
+            </a:gs>
+            <a:gs pos="100000">
+              <a:schemeClr val="phClr">
+                <a:shade val="30000"/>
+                <a:satMod val="200000"/>
+              </a:schemeClr>
+            </a:gs>
+          </a:gsLst>
+          <a:path path="circle">
+            <a:fillToRect l="50000" t="50000" r="50000" b="50000"/>
+          </a:path>
+        </a:gradFill>
+      </a:bgFillStyleLst>
+    </a:fmtScheme>
+  </a:themeElements>
+  <a:objectDefaults/>
+  <a:extraClrSchemeLst/>
+</a:theme>
 </file>